--- a/Instructor-Led/Module3/Lessons/Module3_Lesson5 Developing Android Apps with Xamarin (Part 2).pptx
+++ b/Instructor-Led/Module3/Lessons/Module3_Lesson5 Developing Android Apps with Xamarin (Part 2).pptx
@@ -5,10 +5,10 @@
     <p:sldMasterId id="2147483648" r:id="rId1"/>
   </p:sldMasterIdLst>
   <p:notesMasterIdLst>
-    <p:notesMasterId r:id="rId27"/>
+    <p:notesMasterId r:id="rId28"/>
   </p:notesMasterIdLst>
   <p:handoutMasterIdLst>
-    <p:handoutMasterId r:id="rId28"/>
+    <p:handoutMasterId r:id="rId29"/>
   </p:handoutMasterIdLst>
   <p:sldIdLst>
     <p:sldId id="256" r:id="rId2"/>
@@ -29,13 +29,14 @@
     <p:sldId id="270" r:id="rId17"/>
     <p:sldId id="271" r:id="rId18"/>
     <p:sldId id="272" r:id="rId19"/>
-    <p:sldId id="273" r:id="rId20"/>
-    <p:sldId id="274" r:id="rId21"/>
-    <p:sldId id="275" r:id="rId22"/>
-    <p:sldId id="276" r:id="rId23"/>
-    <p:sldId id="277" r:id="rId24"/>
-    <p:sldId id="278" r:id="rId25"/>
-    <p:sldId id="279" r:id="rId26"/>
+    <p:sldId id="282" r:id="rId20"/>
+    <p:sldId id="273" r:id="rId21"/>
+    <p:sldId id="274" r:id="rId22"/>
+    <p:sldId id="275" r:id="rId23"/>
+    <p:sldId id="276" r:id="rId24"/>
+    <p:sldId id="277" r:id="rId25"/>
+    <p:sldId id="278" r:id="rId26"/>
+    <p:sldId id="279" r:id="rId27"/>
   </p:sldIdLst>
   <p:sldSz cx="12192000" cy="6858000"/>
   <p:notesSz cx="6858000" cy="9144000"/>
@@ -149,6 +150,20 @@
         </p15:guide>
       </p15:sldGuideLst>
     </p:ext>
+    <p:ext uri="{2D200454-40CA-4A62-9FC3-DE9A4176ACB9}">
+      <p15:notesGuideLst xmlns:p15="http://schemas.microsoft.com/office/powerpoint/2012/main" xmlns="">
+        <p15:guide id="1" orient="horz" pos="2880">
+          <p15:clr>
+            <a:srgbClr val="A4A3A4"/>
+          </p15:clr>
+        </p15:guide>
+        <p15:guide id="2" pos="2160">
+          <p15:clr>
+            <a:srgbClr val="A4A3A4"/>
+          </p15:clr>
+        </p15:guide>
+      </p15:notesGuideLst>
+    </p:ext>
   </p:extLst>
 </p:presentation>
 </file>
@@ -242,7 +257,7 @@
           <a:p>
             <a:fld id="{39B173BA-B17C-BC49-9732-4E5A18E89C75}" type="datetimeFigureOut">
               <a:rPr lang="en-US" smtClean="0"/>
-              <a:t>6/16/16</a:t>
+              <a:t>6/28/16</a:t>
             </a:fld>
             <a:endParaRPr lang="en-US"/>
           </a:p>
@@ -407,7 +422,7 @@
           <a:p>
             <a:fld id="{D371C69C-83E3-0941-8C41-0F3DBE262B4F}" type="datetimeFigureOut">
               <a:rPr lang="en-US" smtClean="0"/>
-              <a:t>6/16/16</a:t>
+              <a:t>6/28/16</a:t>
             </a:fld>
             <a:endParaRPr lang="en-US"/>
           </a:p>
@@ -471,38 +486,37 @@
           <a:p>
             <a:pPr lvl="0"/>
             <a:r>
-              <a:rPr lang="en-US" smtClean="0"/>
+              <a:rPr lang="en-US"/>
               <a:t>Click to edit Master text styles</a:t>
             </a:r>
           </a:p>
           <a:p>
             <a:pPr lvl="1"/>
             <a:r>
-              <a:rPr lang="en-US" smtClean="0"/>
+              <a:rPr lang="en-US"/>
               <a:t>Second level</a:t>
             </a:r>
           </a:p>
           <a:p>
             <a:pPr lvl="2"/>
             <a:r>
-              <a:rPr lang="en-US" smtClean="0"/>
+              <a:rPr lang="en-US"/>
               <a:t>Third level</a:t>
             </a:r>
           </a:p>
           <a:p>
             <a:pPr lvl="3"/>
             <a:r>
-              <a:rPr lang="en-US" smtClean="0"/>
+              <a:rPr lang="en-US"/>
               <a:t>Fourth level</a:t>
             </a:r>
           </a:p>
           <a:p>
             <a:pPr lvl="4"/>
             <a:r>
-              <a:rPr lang="en-US" smtClean="0"/>
+              <a:rPr lang="en-US"/>
               <a:t>Fifth level</a:t>
             </a:r>
-            <a:endParaRPr lang="en-US"/>
           </a:p>
         </p:txBody>
       </p:sp>
@@ -821,10 +835,9 @@
               <a:defRPr/>
             </a:pPr>
             <a:r>
-              <a:rPr lang="en-US" b="1" dirty="0" smtClean="0"/>
+              <a:rPr lang="en-US" b="1" dirty="0"/>
               <a:t>Notes:</a:t>
             </a:r>
-            <a:endParaRPr lang="en-US" dirty="0" smtClean="0"/>
           </a:p>
           <a:p>
             <a:pPr marL="171450" marR="0" indent="-171450" algn="l" defTabSz="914400" rtl="0" eaLnBrk="0" fontAlgn="base" latinLnBrk="0" hangingPunct="0">
@@ -845,21 +858,19 @@
               <a:defRPr/>
             </a:pPr>
             <a:r>
-              <a:rPr lang="en-US" dirty="0" err="1" smtClean="0"/>
-              <a:t>AdvancedAppLifecycleDemos</a:t>
-            </a:r>
-            <a:r>
-              <a:rPr lang="en-US" dirty="0" smtClean="0"/>
-              <a:t> </a:t>
-            </a:r>
-            <a:r>
               <a:rPr lang="en-US" dirty="0"/>
-              <a:t>- </a:t>
-            </a:r>
-            <a:r>
-              <a:rPr lang="en-US" dirty="0" err="1" smtClean="0"/>
-              <a:t>AppInstance</a:t>
-            </a:r>
+              <a:t>Intents</a:t>
+            </a:r>
+            <a:r>
+              <a:rPr lang="en-US" baseline="0" dirty="0"/>
+              <a:t> have built-in bundles.</a:t>
+            </a:r>
+          </a:p>
+          <a:p>
+            <a:pPr marL="0" indent="0">
+              <a:buFont typeface="Arial"/>
+              <a:buNone/>
+            </a:pPr>
             <a:endParaRPr lang="en-US" dirty="0"/>
           </a:p>
         </p:txBody>
@@ -896,7 +907,7 @@
     </p:spTree>
     <p:extLst>
       <p:ext uri="{BB962C8B-B14F-4D97-AF65-F5344CB8AC3E}">
-        <p14:creationId xmlns:p14="http://schemas.microsoft.com/office/powerpoint/2010/main" val="1905371264"/>
+        <p14:creationId xmlns:p14="http://schemas.microsoft.com/office/powerpoint/2010/main" val="2916975325"/>
       </p:ext>
     </p:extLst>
   </p:cSld>
@@ -950,6 +961,59 @@
           <a:bodyPr/>
           <a:lstStyle/>
           <a:p>
+            <a:pPr marL="0" marR="0" indent="0" algn="l" defTabSz="914400" rtl="0" eaLnBrk="0" fontAlgn="base" latinLnBrk="0" hangingPunct="0">
+              <a:lnSpc>
+                <a:spcPct val="100000"/>
+              </a:lnSpc>
+              <a:spcBef>
+                <a:spcPct val="30000"/>
+              </a:spcBef>
+              <a:spcAft>
+                <a:spcPct val="0"/>
+              </a:spcAft>
+              <a:buClrTx/>
+              <a:buSzTx/>
+              <a:buFont typeface="Arial"/>
+              <a:buNone/>
+              <a:tabLst/>
+              <a:defRPr/>
+            </a:pPr>
+            <a:r>
+              <a:rPr lang="en-US" b="1" dirty="0"/>
+              <a:t>Notes:</a:t>
+            </a:r>
+            <a:endParaRPr lang="en-US" dirty="0"/>
+          </a:p>
+          <a:p>
+            <a:pPr marL="171450" marR="0" indent="-171450" algn="l" defTabSz="914400" rtl="0" eaLnBrk="0" fontAlgn="base" latinLnBrk="0" hangingPunct="0">
+              <a:lnSpc>
+                <a:spcPct val="100000"/>
+              </a:lnSpc>
+              <a:spcBef>
+                <a:spcPct val="30000"/>
+              </a:spcBef>
+              <a:spcAft>
+                <a:spcPct val="0"/>
+              </a:spcAft>
+              <a:buClrTx/>
+              <a:buSzTx/>
+              <a:buFont typeface="Arial"/>
+              <a:buChar char="•"/>
+              <a:tabLst/>
+              <a:defRPr/>
+            </a:pPr>
+            <a:r>
+              <a:rPr lang="en-US" dirty="0" err="1"/>
+              <a:t>AdvancedAppLifecycleDemos</a:t>
+            </a:r>
+            <a:r>
+              <a:rPr lang="en-US" dirty="0"/>
+              <a:t> - </a:t>
+            </a:r>
+            <a:r>
+              <a:rPr lang="en-US" dirty="0" err="1"/>
+              <a:t>AppInstance</a:t>
+            </a:r>
             <a:endParaRPr lang="en-US" dirty="0"/>
           </a:p>
         </p:txBody>
@@ -986,7 +1050,7 @@
     </p:spTree>
     <p:extLst>
       <p:ext uri="{BB962C8B-B14F-4D97-AF65-F5344CB8AC3E}">
-        <p14:creationId xmlns:p14="http://schemas.microsoft.com/office/powerpoint/2010/main" val="508849903"/>
+        <p14:creationId xmlns:p14="http://schemas.microsoft.com/office/powerpoint/2010/main" val="1905371264"/>
       </p:ext>
     </p:extLst>
   </p:cSld>
@@ -1040,74 +1104,7 @@
           <a:bodyPr/>
           <a:lstStyle/>
           <a:p>
-            <a:pPr marL="171450" marR="0" lvl="0" indent="-171450" algn="l" defTabSz="914400" rtl="0" eaLnBrk="1" fontAlgn="auto" latinLnBrk="0" hangingPunct="1">
-              <a:lnSpc>
-                <a:spcPct val="100000"/>
-              </a:lnSpc>
-              <a:spcBef>
-                <a:spcPts val="0"/>
-              </a:spcBef>
-              <a:spcAft>
-                <a:spcPts val="0"/>
-              </a:spcAft>
-              <a:buClrTx/>
-              <a:buSzTx/>
-              <a:buFont typeface="Arial" panose="020B0604020202020204" pitchFamily="34" charset="0"/>
-              <a:buNone/>
-              <a:tabLst/>
-              <a:defRPr/>
-            </a:pPr>
-            <a:r>
-              <a:rPr lang="en-US" b="1" dirty="0"/>
-              <a:t>References:</a:t>
-            </a:r>
-          </a:p>
-          <a:p>
-            <a:pPr marL="171450" marR="0" lvl="0" indent="-171450" algn="l" defTabSz="914400" rtl="0" eaLnBrk="1" fontAlgn="auto" latinLnBrk="0" hangingPunct="1">
-              <a:lnSpc>
-                <a:spcPct val="100000"/>
-              </a:lnSpc>
-              <a:spcBef>
-                <a:spcPts val="0"/>
-              </a:spcBef>
-              <a:spcAft>
-                <a:spcPts val="0"/>
-              </a:spcAft>
-              <a:buClrTx/>
-              <a:buSzTx/>
-              <a:buFont typeface="Arial" panose="020B0604020202020204" pitchFamily="34" charset="0"/>
-              <a:buChar char="•"/>
-              <a:tabLst/>
-              <a:defRPr/>
-            </a:pPr>
-            <a:r>
-              <a:rPr lang="en-US" dirty="0"/>
-              <a:t>Android resources: https://</a:t>
-            </a:r>
-            <a:r>
-              <a:rPr lang="en-US" dirty="0" err="1"/>
-              <a:t>developer.xamarin.com</a:t>
-            </a:r>
-            <a:r>
-              <a:rPr lang="en-US" dirty="0"/>
-              <a:t>/guides/android/</a:t>
-            </a:r>
-            <a:r>
-              <a:rPr lang="en-US" dirty="0" err="1"/>
-              <a:t>application_fundamentals</a:t>
-            </a:r>
-            <a:r>
-              <a:rPr lang="en-US" dirty="0"/>
-              <a:t>/</a:t>
-            </a:r>
-            <a:r>
-              <a:rPr lang="en-US" dirty="0" err="1"/>
-              <a:t>resources_in_android</a:t>
-            </a:r>
-            <a:r>
-              <a:rPr lang="en-US" dirty="0"/>
-              <a:t>/</a:t>
-            </a:r>
+            <a:endParaRPr lang="en-US" dirty="0"/>
           </a:p>
         </p:txBody>
       </p:sp>
@@ -1126,8 +1123,14 @@
           <a:bodyPr/>
           <a:lstStyle/>
           <a:p>
-            <a:fld id="{01283FAC-A721-45A3-BBDE-EAF2B09B7CD9}" type="slidenum">
+            <a:pPr>
+              <a:defRPr/>
+            </a:pPr>
+            <a:fld id="{BA98A86F-EB23-4656-9EE3-F488F6F23FB7}" type="slidenum">
               <a:rPr lang="en-US" smtClean="0"/>
+              <a:pPr>
+                <a:defRPr/>
+              </a:pPr>
               <a:t>21</a:t>
             </a:fld>
             <a:endParaRPr lang="en-US"/>
@@ -1137,7 +1140,7 @@
     </p:spTree>
     <p:extLst>
       <p:ext uri="{BB962C8B-B14F-4D97-AF65-F5344CB8AC3E}">
-        <p14:creationId xmlns:p14="http://schemas.microsoft.com/office/powerpoint/2010/main" val="1557575566"/>
+        <p14:creationId xmlns:p14="http://schemas.microsoft.com/office/powerpoint/2010/main" val="508849903"/>
       </p:ext>
     </p:extLst>
   </p:cSld>
@@ -1210,7 +1213,7 @@
             </a:pPr>
             <a:r>
               <a:rPr lang="en-US" b="1" dirty="0"/>
-              <a:t>Notes:</a:t>
+              <a:t>References:</a:t>
             </a:r>
           </a:p>
           <a:p>
@@ -1233,32 +1236,32 @@
             </a:pPr>
             <a:r>
               <a:rPr lang="en-US" dirty="0"/>
-              <a:t>Generated files are regenerated frequently. </a:t>
-            </a:r>
-          </a:p>
-          <a:p>
-            <a:pPr marL="171450" marR="0" lvl="0" indent="-171450" algn="l" defTabSz="914400" rtl="0" eaLnBrk="1" fontAlgn="auto" latinLnBrk="0" hangingPunct="1">
-              <a:lnSpc>
-                <a:spcPct val="100000"/>
-              </a:lnSpc>
-              <a:spcBef>
-                <a:spcPts val="0"/>
-              </a:spcBef>
-              <a:spcAft>
-                <a:spcPts val="0"/>
-              </a:spcAft>
-              <a:buClrTx/>
-              <a:buSzTx/>
-              <a:buFont typeface="Arial" panose="020B0604020202020204" pitchFamily="34" charset="0"/>
-              <a:buChar char="•"/>
-              <a:tabLst/>
-              <a:defRPr/>
-            </a:pPr>
+              <a:t>Android resources: https://</a:t>
+            </a:r>
+            <a:r>
+              <a:rPr lang="en-US" dirty="0" err="1"/>
+              <a:t>developer.xamarin.com</a:t>
+            </a:r>
             <a:r>
               <a:rPr lang="en-US" dirty="0"/>
-              <a:t>Changes by the developer are subject to be overwritten.</a:t>
-            </a:r>
-            <a:endParaRPr lang="en-US" baseline="0" dirty="0"/>
+              <a:t>/guides/android/</a:t>
+            </a:r>
+            <a:r>
+              <a:rPr lang="en-US" dirty="0" err="1"/>
+              <a:t>application_fundamentals</a:t>
+            </a:r>
+            <a:r>
+              <a:rPr lang="en-US" dirty="0"/>
+              <a:t>/</a:t>
+            </a:r>
+            <a:r>
+              <a:rPr lang="en-US" dirty="0" err="1"/>
+              <a:t>resources_in_android</a:t>
+            </a:r>
+            <a:r>
+              <a:rPr lang="en-US" dirty="0"/>
+              <a:t>/</a:t>
+            </a:r>
           </a:p>
         </p:txBody>
       </p:sp>
@@ -1288,7 +1291,7 @@
     </p:spTree>
     <p:extLst>
       <p:ext uri="{BB962C8B-B14F-4D97-AF65-F5344CB8AC3E}">
-        <p14:creationId xmlns:p14="http://schemas.microsoft.com/office/powerpoint/2010/main" val="1519874287"/>
+        <p14:creationId xmlns:p14="http://schemas.microsoft.com/office/powerpoint/2010/main" val="1557575566"/>
       </p:ext>
     </p:extLst>
   </p:cSld>
@@ -1342,7 +1345,77 @@
           <a:bodyPr/>
           <a:lstStyle/>
           <a:p>
-            <a:endParaRPr lang="en-US" altLang="ko-KR" dirty="0"/>
+            <a:pPr marL="171450" marR="0" lvl="0" indent="-171450" algn="l" defTabSz="914400" rtl="0" eaLnBrk="1" fontAlgn="auto" latinLnBrk="0" hangingPunct="1">
+              <a:lnSpc>
+                <a:spcPct val="100000"/>
+              </a:lnSpc>
+              <a:spcBef>
+                <a:spcPts val="0"/>
+              </a:spcBef>
+              <a:spcAft>
+                <a:spcPts val="0"/>
+              </a:spcAft>
+              <a:buClrTx/>
+              <a:buSzTx/>
+              <a:buFont typeface="Arial" panose="020B0604020202020204" pitchFamily="34" charset="0"/>
+              <a:buNone/>
+              <a:tabLst/>
+              <a:defRPr/>
+            </a:pPr>
+            <a:r>
+              <a:rPr lang="en-US" b="1" dirty="0"/>
+              <a:t>Notes:</a:t>
+            </a:r>
+          </a:p>
+          <a:p>
+            <a:pPr marL="171450" marR="0" lvl="0" indent="-171450" algn="l" defTabSz="914400" rtl="0" eaLnBrk="1" fontAlgn="auto" latinLnBrk="0" hangingPunct="1">
+              <a:lnSpc>
+                <a:spcPct val="100000"/>
+              </a:lnSpc>
+              <a:spcBef>
+                <a:spcPts val="0"/>
+              </a:spcBef>
+              <a:spcAft>
+                <a:spcPts val="0"/>
+              </a:spcAft>
+              <a:buClrTx/>
+              <a:buSzTx/>
+              <a:buFont typeface="Arial" panose="020B0604020202020204" pitchFamily="34" charset="0"/>
+              <a:buChar char="•"/>
+              <a:tabLst/>
+              <a:defRPr/>
+            </a:pPr>
+            <a:r>
+              <a:rPr lang="en-US" dirty="0"/>
+              <a:t>Generated files are regenerated frequently. </a:t>
+            </a:r>
+          </a:p>
+          <a:p>
+            <a:pPr marL="171450" marR="0" lvl="0" indent="-171450" algn="l" defTabSz="914400" rtl="0" eaLnBrk="1" fontAlgn="auto" latinLnBrk="0" hangingPunct="1">
+              <a:lnSpc>
+                <a:spcPct val="100000"/>
+              </a:lnSpc>
+              <a:spcBef>
+                <a:spcPts val="0"/>
+              </a:spcBef>
+              <a:spcAft>
+                <a:spcPts val="0"/>
+              </a:spcAft>
+              <a:buClrTx/>
+              <a:buSzTx/>
+              <a:buFont typeface="Arial" panose="020B0604020202020204" pitchFamily="34" charset="0"/>
+              <a:buChar char="•"/>
+              <a:tabLst/>
+              <a:defRPr/>
+            </a:pPr>
+            <a:r>
+              <a:rPr lang="en-US" dirty="0"/>
+              <a:t>Changes by the developer are subject to be overwritten</a:t>
+            </a:r>
+            <a:r>
+              <a:rPr lang="en-US" dirty="0" smtClean="0"/>
+              <a:t>.</a:t>
+            </a:r>
           </a:p>
         </p:txBody>
       </p:sp>
@@ -1372,7 +1445,7 @@
     </p:spTree>
     <p:extLst>
       <p:ext uri="{BB962C8B-B14F-4D97-AF65-F5344CB8AC3E}">
-        <p14:creationId xmlns:p14="http://schemas.microsoft.com/office/powerpoint/2010/main" val="1903409117"/>
+        <p14:creationId xmlns:p14="http://schemas.microsoft.com/office/powerpoint/2010/main" val="1519874287"/>
       </p:ext>
     </p:extLst>
   </p:cSld>
@@ -1426,7 +1499,7 @@
           <a:bodyPr/>
           <a:lstStyle/>
           <a:p>
-            <a:pPr marL="171450" marR="0" lvl="0" indent="-171450" algn="l" defTabSz="914400" rtl="0" eaLnBrk="1" fontAlgn="auto" latinLnBrk="0" hangingPunct="1">
+            <a:pPr marL="0" marR="0" lvl="0" indent="0" algn="l" defTabSz="914400" rtl="0" eaLnBrk="1" fontAlgn="auto" latinLnBrk="0" hangingPunct="1">
               <a:lnSpc>
                 <a:spcPct val="100000"/>
               </a:lnSpc>
@@ -1444,7 +1517,7 @@
               <a:defRPr/>
             </a:pPr>
             <a:r>
-              <a:rPr lang="en-US" b="1" dirty="0"/>
+              <a:rPr lang="en-US" b="1" dirty="0" smtClean="0"/>
               <a:t>Notes:</a:t>
             </a:r>
           </a:p>
@@ -1467,8 +1540,64 @@
               <a:defRPr/>
             </a:pPr>
             <a:r>
-              <a:rPr lang="en-US" dirty="0"/>
-              <a:t>Right-click the Android project and select “Properties.” </a:t>
+              <a:rPr lang="en-US" dirty="0" smtClean="0"/>
+              <a:t>Providing</a:t>
+            </a:r>
+            <a:r>
+              <a:rPr lang="en-US" baseline="0" dirty="0" smtClean="0"/>
+              <a:t> different layouts for different screen sizes may sometimes be necessary, it is supported in </a:t>
+            </a:r>
+            <a:r>
+              <a:rPr lang="en-US" baseline="0" dirty="0" err="1" smtClean="0"/>
+              <a:t>Xamarin</a:t>
+            </a:r>
+            <a:r>
+              <a:rPr lang="is-IS" baseline="0" dirty="0" smtClean="0"/>
+              <a:t>…</a:t>
+            </a:r>
+            <a:endParaRPr lang="en-US" dirty="0" smtClean="0"/>
+          </a:p>
+          <a:p>
+            <a:pPr marL="0" marR="0" lvl="0" indent="0" algn="l" defTabSz="914400" rtl="0" eaLnBrk="1" fontAlgn="auto" latinLnBrk="0" hangingPunct="1">
+              <a:lnSpc>
+                <a:spcPct val="100000"/>
+              </a:lnSpc>
+              <a:spcBef>
+                <a:spcPts val="0"/>
+              </a:spcBef>
+              <a:spcAft>
+                <a:spcPts val="0"/>
+              </a:spcAft>
+              <a:buClrTx/>
+              <a:buSzTx/>
+              <a:buFont typeface="Arial" panose="020B0604020202020204" pitchFamily="34" charset="0"/>
+              <a:buNone/>
+              <a:tabLst/>
+              <a:defRPr/>
+            </a:pPr>
+            <a:endParaRPr lang="en-US" dirty="0" smtClean="0"/>
+          </a:p>
+          <a:p>
+            <a:pPr marL="0" marR="0" lvl="0" indent="0" algn="l" defTabSz="914400" rtl="0" eaLnBrk="1" fontAlgn="auto" latinLnBrk="0" hangingPunct="1">
+              <a:lnSpc>
+                <a:spcPct val="100000"/>
+              </a:lnSpc>
+              <a:spcBef>
+                <a:spcPts val="0"/>
+              </a:spcBef>
+              <a:spcAft>
+                <a:spcPts val="0"/>
+              </a:spcAft>
+              <a:buClrTx/>
+              <a:buSzTx/>
+              <a:buFont typeface="Arial" panose="020B0604020202020204" pitchFamily="34" charset="0"/>
+              <a:buNone/>
+              <a:tabLst/>
+              <a:defRPr/>
+            </a:pPr>
+            <a:r>
+              <a:rPr lang="en-US" b="1" dirty="0" smtClean="0"/>
+              <a:t>References:</a:t>
             </a:r>
           </a:p>
           <a:p>
@@ -1490,75 +1619,41 @@
               <a:defRPr/>
             </a:pPr>
             <a:r>
-              <a:rPr lang="en-US" dirty="0"/>
-              <a:t>Click “Android Manifest” on the left-hand menu</a:t>
-            </a:r>
-          </a:p>
-          <a:p>
-            <a:pPr marL="171450" marR="0" lvl="0" indent="-171450" algn="l" defTabSz="914400" rtl="0" eaLnBrk="1" fontAlgn="auto" latinLnBrk="0" hangingPunct="1">
-              <a:lnSpc>
-                <a:spcPct val="100000"/>
-              </a:lnSpc>
-              <a:spcBef>
-                <a:spcPts val="0"/>
-              </a:spcBef>
-              <a:spcAft>
-                <a:spcPts val="0"/>
-              </a:spcAft>
-              <a:buClrTx/>
-              <a:buSzTx/>
-              <a:buFont typeface="Arial" panose="020B0604020202020204" pitchFamily="34" charset="0"/>
-              <a:buChar char="•"/>
-              <a:tabLst/>
-              <a:defRPr/>
-            </a:pPr>
-            <a:endParaRPr lang="en-US" dirty="0"/>
-          </a:p>
-          <a:p>
-            <a:pPr marL="171450" marR="0" lvl="0" indent="-171450" algn="l" defTabSz="914400" rtl="0" eaLnBrk="1" fontAlgn="auto" latinLnBrk="0" hangingPunct="1">
-              <a:lnSpc>
-                <a:spcPct val="100000"/>
-              </a:lnSpc>
-              <a:spcBef>
-                <a:spcPts val="0"/>
-              </a:spcBef>
-              <a:spcAft>
-                <a:spcPts val="0"/>
-              </a:spcAft>
-              <a:buClrTx/>
-              <a:buSzTx/>
-              <a:buFont typeface="Arial" panose="020B0604020202020204" pitchFamily="34" charset="0"/>
-              <a:buNone/>
-              <a:tabLst/>
-              <a:defRPr/>
-            </a:pPr>
-            <a:r>
-              <a:rPr lang="en-US" b="1" dirty="0"/>
-              <a:t>Reference:</a:t>
-            </a:r>
-          </a:p>
-          <a:p>
-            <a:pPr marL="171450" marR="0" lvl="0" indent="-171450" algn="l" defTabSz="914400" rtl="0" eaLnBrk="1" fontAlgn="auto" latinLnBrk="0" hangingPunct="1">
-              <a:lnSpc>
-                <a:spcPct val="100000"/>
-              </a:lnSpc>
-              <a:spcBef>
-                <a:spcPts val="0"/>
-              </a:spcBef>
-              <a:spcAft>
-                <a:spcPts val="0"/>
-              </a:spcAft>
-              <a:buClrTx/>
-              <a:buSzTx/>
-              <a:buFont typeface="Arial" panose="020B0604020202020204" pitchFamily="34" charset="0"/>
-              <a:buChar char="•"/>
-              <a:tabLst/>
-              <a:defRPr/>
-            </a:pPr>
-            <a:r>
-              <a:rPr lang="en-US" dirty="0"/>
-              <a:t>Android Manifest in Xamarin: https://developer.xamarin.com/guides/android/advanced_topics/working_with_androidmanifest.xml/</a:t>
-            </a:r>
+              <a:rPr lang="en-US" baseline="0" dirty="0" smtClean="0"/>
+              <a:t>More information on different size layouts: https://</a:t>
+            </a:r>
+            <a:r>
+              <a:rPr lang="en-US" baseline="0" dirty="0" err="1" smtClean="0"/>
+              <a:t>developer.xamarin.com</a:t>
+            </a:r>
+            <a:r>
+              <a:rPr lang="en-US" baseline="0" dirty="0" smtClean="0"/>
+              <a:t>/guides/android/</a:t>
+            </a:r>
+            <a:r>
+              <a:rPr lang="en-US" baseline="0" dirty="0" err="1" smtClean="0"/>
+              <a:t>application_fundamentals</a:t>
+            </a:r>
+            <a:r>
+              <a:rPr lang="en-US" baseline="0" dirty="0" smtClean="0"/>
+              <a:t>/</a:t>
+            </a:r>
+            <a:r>
+              <a:rPr lang="en-US" baseline="0" dirty="0" err="1" smtClean="0"/>
+              <a:t>resources_in_android</a:t>
+            </a:r>
+            <a:r>
+              <a:rPr lang="en-US" baseline="0" dirty="0" smtClean="0"/>
+              <a:t>/part_4_-_creating_resources_for_varying_screens/#</a:t>
+            </a:r>
+            <a:r>
+              <a:rPr lang="en-US" baseline="0" dirty="0" err="1" smtClean="0"/>
+              <a:t>Provide_Alternate_Layouts_for_Different_Screen_Sizes</a:t>
+            </a:r>
+            <a:endParaRPr lang="en-US" baseline="0" dirty="0" smtClean="0"/>
+          </a:p>
+          <a:p>
+            <a:endParaRPr lang="en-US" altLang="ko-KR" dirty="0"/>
           </a:p>
         </p:txBody>
       </p:sp>
@@ -1579,7 +1674,6 @@
           <a:p>
             <a:fld id="{01283FAC-A721-45A3-BBDE-EAF2B09B7CD9}" type="slidenum">
               <a:rPr lang="en-US" smtClean="0"/>
-              <a:pPr/>
               <a:t>24</a:t>
             </a:fld>
             <a:endParaRPr lang="en-US"/>
@@ -1589,7 +1683,7 @@
     </p:spTree>
     <p:extLst>
       <p:ext uri="{BB962C8B-B14F-4D97-AF65-F5344CB8AC3E}">
-        <p14:creationId xmlns:p14="http://schemas.microsoft.com/office/powerpoint/2010/main" val="744264528"/>
+        <p14:creationId xmlns:p14="http://schemas.microsoft.com/office/powerpoint/2010/main" val="1903409117"/>
       </p:ext>
     </p:extLst>
   </p:cSld>
@@ -1643,7 +1737,139 @@
           <a:bodyPr/>
           <a:lstStyle/>
           <a:p>
+            <a:pPr marL="171450" marR="0" lvl="0" indent="-171450" algn="l" defTabSz="914400" rtl="0" eaLnBrk="1" fontAlgn="auto" latinLnBrk="0" hangingPunct="1">
+              <a:lnSpc>
+                <a:spcPct val="100000"/>
+              </a:lnSpc>
+              <a:spcBef>
+                <a:spcPts val="0"/>
+              </a:spcBef>
+              <a:spcAft>
+                <a:spcPts val="0"/>
+              </a:spcAft>
+              <a:buClrTx/>
+              <a:buSzTx/>
+              <a:buFont typeface="Arial" panose="020B0604020202020204" pitchFamily="34" charset="0"/>
+              <a:buNone/>
+              <a:tabLst/>
+              <a:defRPr/>
+            </a:pPr>
+            <a:r>
+              <a:rPr lang="en-US" b="1" dirty="0"/>
+              <a:t>Notes:</a:t>
+            </a:r>
+          </a:p>
+          <a:p>
+            <a:pPr marL="171450" marR="0" lvl="0" indent="-171450" algn="l" defTabSz="914400" rtl="0" eaLnBrk="1" fontAlgn="auto" latinLnBrk="0" hangingPunct="1">
+              <a:lnSpc>
+                <a:spcPct val="100000"/>
+              </a:lnSpc>
+              <a:spcBef>
+                <a:spcPts val="0"/>
+              </a:spcBef>
+              <a:spcAft>
+                <a:spcPts val="0"/>
+              </a:spcAft>
+              <a:buClrTx/>
+              <a:buSzTx/>
+              <a:buFont typeface="Arial" panose="020B0604020202020204" pitchFamily="34" charset="0"/>
+              <a:buChar char="•"/>
+              <a:tabLst/>
+              <a:defRPr/>
+            </a:pPr>
+            <a:r>
+              <a:rPr lang="en-US" dirty="0"/>
+              <a:t>Right-click the Android project and select “Properties.” </a:t>
+            </a:r>
+          </a:p>
+          <a:p>
+            <a:pPr marL="171450" marR="0" lvl="0" indent="-171450" algn="l" defTabSz="914400" rtl="0" eaLnBrk="1" fontAlgn="auto" latinLnBrk="0" hangingPunct="1">
+              <a:lnSpc>
+                <a:spcPct val="100000"/>
+              </a:lnSpc>
+              <a:spcBef>
+                <a:spcPts val="0"/>
+              </a:spcBef>
+              <a:spcAft>
+                <a:spcPts val="0"/>
+              </a:spcAft>
+              <a:buClrTx/>
+              <a:buSzTx/>
+              <a:buFont typeface="Arial" panose="020B0604020202020204" pitchFamily="34" charset="0"/>
+              <a:buChar char="•"/>
+              <a:tabLst/>
+              <a:defRPr/>
+            </a:pPr>
+            <a:r>
+              <a:rPr lang="en-US" dirty="0"/>
+              <a:t>Click “Android Manifest” on the left-hand menu</a:t>
+            </a:r>
+          </a:p>
+          <a:p>
+            <a:pPr marL="171450" marR="0" lvl="0" indent="-171450" algn="l" defTabSz="914400" rtl="0" eaLnBrk="1" fontAlgn="auto" latinLnBrk="0" hangingPunct="1">
+              <a:lnSpc>
+                <a:spcPct val="100000"/>
+              </a:lnSpc>
+              <a:spcBef>
+                <a:spcPts val="0"/>
+              </a:spcBef>
+              <a:spcAft>
+                <a:spcPts val="0"/>
+              </a:spcAft>
+              <a:buClrTx/>
+              <a:buSzTx/>
+              <a:buFont typeface="Arial" panose="020B0604020202020204" pitchFamily="34" charset="0"/>
+              <a:buChar char="•"/>
+              <a:tabLst/>
+              <a:defRPr/>
+            </a:pPr>
             <a:endParaRPr lang="en-US" dirty="0"/>
+          </a:p>
+          <a:p>
+            <a:pPr marL="171450" marR="0" lvl="0" indent="-171450" algn="l" defTabSz="914400" rtl="0" eaLnBrk="1" fontAlgn="auto" latinLnBrk="0" hangingPunct="1">
+              <a:lnSpc>
+                <a:spcPct val="100000"/>
+              </a:lnSpc>
+              <a:spcBef>
+                <a:spcPts val="0"/>
+              </a:spcBef>
+              <a:spcAft>
+                <a:spcPts val="0"/>
+              </a:spcAft>
+              <a:buClrTx/>
+              <a:buSzTx/>
+              <a:buFont typeface="Arial" panose="020B0604020202020204" pitchFamily="34" charset="0"/>
+              <a:buNone/>
+              <a:tabLst/>
+              <a:defRPr/>
+            </a:pPr>
+            <a:r>
+              <a:rPr lang="en-US" b="1" dirty="0"/>
+              <a:t>Reference:</a:t>
+            </a:r>
+          </a:p>
+          <a:p>
+            <a:pPr marL="171450" marR="0" lvl="0" indent="-171450" algn="l" defTabSz="914400" rtl="0" eaLnBrk="1" fontAlgn="auto" latinLnBrk="0" hangingPunct="1">
+              <a:lnSpc>
+                <a:spcPct val="100000"/>
+              </a:lnSpc>
+              <a:spcBef>
+                <a:spcPts val="0"/>
+              </a:spcBef>
+              <a:spcAft>
+                <a:spcPts val="0"/>
+              </a:spcAft>
+              <a:buClrTx/>
+              <a:buSzTx/>
+              <a:buFont typeface="Arial" panose="020B0604020202020204" pitchFamily="34" charset="0"/>
+              <a:buChar char="•"/>
+              <a:tabLst/>
+              <a:defRPr/>
+            </a:pPr>
+            <a:r>
+              <a:rPr lang="en-US" dirty="0"/>
+              <a:t>Android Manifest in Xamarin: https://developer.xamarin.com/guides/android/advanced_topics/working_with_androidmanifest.xml/</a:t>
+            </a:r>
           </a:p>
         </p:txBody>
       </p:sp>
@@ -1664,7 +1890,92 @@
           <a:p>
             <a:fld id="{01283FAC-A721-45A3-BBDE-EAF2B09B7CD9}" type="slidenum">
               <a:rPr lang="en-US" smtClean="0"/>
+              <a:pPr/>
               <a:t>25</a:t>
+            </a:fld>
+            <a:endParaRPr lang="en-US"/>
+          </a:p>
+        </p:txBody>
+      </p:sp>
+    </p:spTree>
+    <p:extLst>
+      <p:ext uri="{BB962C8B-B14F-4D97-AF65-F5344CB8AC3E}">
+        <p14:creationId xmlns:p14="http://schemas.microsoft.com/office/powerpoint/2010/main" val="744264528"/>
+      </p:ext>
+    </p:extLst>
+  </p:cSld>
+  <p:clrMapOvr>
+    <a:masterClrMapping/>
+  </p:clrMapOvr>
+</p:notes>
+</file>
+
+<file path=ppt/notesSlides/notesSlide17.xml><?xml version="1.0" encoding="utf-8"?>
+<p:notes xmlns:a="http://schemas.openxmlformats.org/drawingml/2006/main" xmlns:r="http://schemas.openxmlformats.org/officeDocument/2006/relationships" xmlns:p="http://schemas.openxmlformats.org/presentationml/2006/main">
+  <p:cSld>
+    <p:spTree>
+      <p:nvGrpSpPr>
+        <p:cNvPr id="1" name=""/>
+        <p:cNvGrpSpPr/>
+        <p:nvPr/>
+      </p:nvGrpSpPr>
+      <p:grpSpPr>
+        <a:xfrm>
+          <a:off x="0" y="0"/>
+          <a:ext cx="0" cy="0"/>
+          <a:chOff x="0" y="0"/>
+          <a:chExt cx="0" cy="0"/>
+        </a:xfrm>
+      </p:grpSpPr>
+      <p:sp>
+        <p:nvSpPr>
+          <p:cNvPr id="2" name="Slide Image Placeholder 1"/>
+          <p:cNvSpPr>
+            <a:spLocks noGrp="1" noRot="1" noChangeAspect="1"/>
+          </p:cNvSpPr>
+          <p:nvPr>
+            <p:ph type="sldImg"/>
+          </p:nvPr>
+        </p:nvSpPr>
+        <p:spPr/>
+      </p:sp>
+      <p:sp>
+        <p:nvSpPr>
+          <p:cNvPr id="3" name="Notes Placeholder 2"/>
+          <p:cNvSpPr>
+            <a:spLocks noGrp="1"/>
+          </p:cNvSpPr>
+          <p:nvPr>
+            <p:ph type="body" idx="1"/>
+          </p:nvPr>
+        </p:nvSpPr>
+        <p:spPr/>
+        <p:txBody>
+          <a:bodyPr/>
+          <a:lstStyle/>
+          <a:p>
+            <a:endParaRPr lang="en-US" dirty="0"/>
+          </a:p>
+        </p:txBody>
+      </p:sp>
+      <p:sp>
+        <p:nvSpPr>
+          <p:cNvPr id="4" name="Slide Number Placeholder 3"/>
+          <p:cNvSpPr>
+            <a:spLocks noGrp="1"/>
+          </p:cNvSpPr>
+          <p:nvPr>
+            <p:ph type="sldNum" sz="quarter" idx="10"/>
+          </p:nvPr>
+        </p:nvSpPr>
+        <p:spPr/>
+        <p:txBody>
+          <a:bodyPr/>
+          <a:lstStyle/>
+          <a:p>
+            <a:fld id="{01283FAC-A721-45A3-BBDE-EAF2B09B7CD9}" type="slidenum">
+              <a:rPr lang="en-US" smtClean="0"/>
+              <a:t>26</a:t>
             </a:fld>
             <a:endParaRPr lang="en-US"/>
           </a:p>
@@ -1728,7 +2039,24 @@
           <a:lstStyle/>
           <a:p>
             <a:r>
-              <a:rPr lang="en-US" sz="1200" b="0" i="0" u="none" strike="noStrike" kern="1200" baseline="0" dirty="0" err="1">
+              <a:rPr lang="en-US" sz="1200" b="1" i="0" u="none" strike="noStrike" kern="1200" baseline="0" dirty="0" smtClean="0">
+                <a:solidFill>
+                  <a:schemeClr val="tx1"/>
+                </a:solidFill>
+                <a:latin typeface="+mn-lt"/>
+                <a:ea typeface="+mn-ea"/>
+                <a:cs typeface="+mn-cs"/>
+              </a:rPr>
+              <a:t>Notes:</a:t>
+            </a:r>
+          </a:p>
+          <a:p>
+            <a:pPr marL="171450" indent="-171450">
+              <a:buFont typeface="Arial"/>
+              <a:buChar char="•"/>
+            </a:pPr>
+            <a:r>
+              <a:rPr lang="en-US" sz="1200" b="0" i="0" u="none" strike="noStrike" kern="1200" baseline="0" dirty="0" err="1" smtClean="0">
                 <a:solidFill>
                   <a:schemeClr val="tx1"/>
                 </a:solidFill>
@@ -1739,7 +2067,7 @@
               <a:t>ListView</a:t>
             </a:r>
             <a:r>
-              <a:rPr lang="en-US" sz="1200" b="0" i="0" u="none" strike="noStrike" kern="1200" baseline="0" dirty="0">
+              <a:rPr lang="en-US" sz="1200" b="0" i="0" u="none" strike="noStrike" kern="1200" baseline="0" dirty="0" smtClean="0">
                 <a:solidFill>
                   <a:schemeClr val="tx1"/>
                 </a:solidFill>
@@ -1747,7 +2075,18 @@
                 <a:ea typeface="+mn-ea"/>
                 <a:cs typeface="+mn-cs"/>
               </a:rPr>
-              <a:t> is a view group that displays a scrollable list of items. </a:t>
+              <a:t> </a:t>
+            </a:r>
+            <a:r>
+              <a:rPr lang="en-US" sz="1200" b="0" i="0" u="none" strike="noStrike" kern="1200" baseline="0" dirty="0">
+                <a:solidFill>
+                  <a:schemeClr val="tx1"/>
+                </a:solidFill>
+                <a:latin typeface="+mn-lt"/>
+                <a:ea typeface="+mn-ea"/>
+                <a:cs typeface="+mn-cs"/>
+              </a:rPr>
+              <a:t>is a view group that displays a scrollable list of items. </a:t>
             </a:r>
             <a:r>
               <a:rPr lang="en-US" sz="1200" b="0" i="0" u="none" strike="noStrike" kern="1200" baseline="0" dirty="0" err="1">
@@ -1769,12 +2108,10 @@
                 <a:ea typeface="+mn-ea"/>
                 <a:cs typeface="+mn-cs"/>
               </a:rPr>
-              <a:t> are bound to an Array, List, or</a:t>
-            </a:r>
-          </a:p>
-          <a:p>
-            <a:r>
-              <a:rPr lang="en-US" sz="1200" b="0" i="0" u="none" strike="noStrike" kern="1200" baseline="0" dirty="0">
+              <a:t> are bound to an Array, List, </a:t>
+            </a:r>
+            <a:r>
+              <a:rPr lang="en-US" sz="1200" b="0" i="0" u="none" strike="noStrike" kern="1200" baseline="0" dirty="0" smtClean="0">
                 <a:solidFill>
                   <a:schemeClr val="tx1"/>
                 </a:solidFill>
@@ -1782,10 +2119,8 @@
                 <a:ea typeface="+mn-ea"/>
                 <a:cs typeface="+mn-cs"/>
               </a:rPr>
-              <a:t>data model using an Adapter. They contain several built-in views containing one or two lines of text and an</a:t>
-            </a:r>
-          </a:p>
-          <a:p>
+              <a:t>or data </a:t>
+            </a:r>
             <a:r>
               <a:rPr lang="en-US" sz="1200" b="0" i="0" u="none" strike="noStrike" kern="1200" baseline="0" dirty="0">
                 <a:solidFill>
@@ -1795,7 +2130,101 @@
                 <a:ea typeface="+mn-ea"/>
                 <a:cs typeface="+mn-cs"/>
               </a:rPr>
-              <a:t>image. Custom views can be constructed using </a:t>
+              <a:t>model using an Adapter. </a:t>
+            </a:r>
+            <a:endParaRPr lang="en-US" sz="1200" b="0" i="0" u="none" strike="noStrike" kern="1200" baseline="0" dirty="0" smtClean="0">
+              <a:solidFill>
+                <a:schemeClr val="tx1"/>
+              </a:solidFill>
+              <a:latin typeface="+mn-lt"/>
+              <a:ea typeface="+mn-ea"/>
+              <a:cs typeface="+mn-cs"/>
+            </a:endParaRPr>
+          </a:p>
+          <a:p>
+            <a:pPr marL="171450" indent="-171450">
+              <a:buFont typeface="Arial"/>
+              <a:buChar char="•"/>
+            </a:pPr>
+            <a:r>
+              <a:rPr lang="en-US" sz="1200" b="0" i="0" u="none" strike="noStrike" kern="1200" baseline="0" dirty="0" smtClean="0">
+                <a:solidFill>
+                  <a:schemeClr val="tx1"/>
+                </a:solidFill>
+                <a:latin typeface="+mn-lt"/>
+                <a:ea typeface="+mn-ea"/>
+                <a:cs typeface="+mn-cs"/>
+              </a:rPr>
+              <a:t>They </a:t>
+            </a:r>
+            <a:r>
+              <a:rPr lang="en-US" sz="1200" b="0" i="0" u="none" strike="noStrike" kern="1200" baseline="0" dirty="0">
+                <a:solidFill>
+                  <a:schemeClr val="tx1"/>
+                </a:solidFill>
+                <a:latin typeface="+mn-lt"/>
+                <a:ea typeface="+mn-ea"/>
+                <a:cs typeface="+mn-cs"/>
+              </a:rPr>
+              <a:t>contain several built-in views containing one or two lines of text and </a:t>
+            </a:r>
+            <a:r>
+              <a:rPr lang="en-US" sz="1200" b="0" i="0" u="none" strike="noStrike" kern="1200" baseline="0" dirty="0" smtClean="0">
+                <a:solidFill>
+                  <a:schemeClr val="tx1"/>
+                </a:solidFill>
+                <a:latin typeface="+mn-lt"/>
+                <a:ea typeface="+mn-ea"/>
+                <a:cs typeface="+mn-cs"/>
+              </a:rPr>
+              <a:t>an image</a:t>
+            </a:r>
+            <a:r>
+              <a:rPr lang="en-US" sz="1200" b="0" i="0" u="none" strike="noStrike" kern="1200" baseline="0" dirty="0">
+                <a:solidFill>
+                  <a:schemeClr val="tx1"/>
+                </a:solidFill>
+                <a:latin typeface="+mn-lt"/>
+                <a:ea typeface="+mn-ea"/>
+                <a:cs typeface="+mn-cs"/>
+              </a:rPr>
+              <a:t>. </a:t>
+            </a:r>
+            <a:endParaRPr lang="en-US" sz="1200" b="0" i="0" u="none" strike="noStrike" kern="1200" baseline="0" dirty="0" smtClean="0">
+              <a:solidFill>
+                <a:schemeClr val="tx1"/>
+              </a:solidFill>
+              <a:latin typeface="+mn-lt"/>
+              <a:ea typeface="+mn-ea"/>
+              <a:cs typeface="+mn-cs"/>
+            </a:endParaRPr>
+          </a:p>
+          <a:p>
+            <a:pPr marL="171450" indent="-171450">
+              <a:buFont typeface="Arial"/>
+              <a:buChar char="•"/>
+            </a:pPr>
+            <a:r>
+              <a:rPr lang="en-US" sz="1200" b="0" i="0" u="none" strike="noStrike" kern="1200" baseline="0" dirty="0" smtClean="0">
+                <a:solidFill>
+                  <a:schemeClr val="tx1"/>
+                </a:solidFill>
+                <a:latin typeface="+mn-lt"/>
+                <a:ea typeface="+mn-ea"/>
+                <a:cs typeface="+mn-cs"/>
+              </a:rPr>
+              <a:t>Custom </a:t>
+            </a:r>
+            <a:r>
+              <a:rPr lang="en-US" sz="1200" b="0" i="0" u="none" strike="noStrike" kern="1200" baseline="0" dirty="0">
+                <a:solidFill>
+                  <a:schemeClr val="tx1"/>
+                </a:solidFill>
+                <a:latin typeface="+mn-lt"/>
+                <a:ea typeface="+mn-ea"/>
+                <a:cs typeface="+mn-cs"/>
+              </a:rPr>
+              <a:t>views can be constructed using </a:t>
             </a:r>
             <a:r>
               <a:rPr lang="en-US" sz="1200" b="0" i="0" u="none" strike="noStrike" kern="1200" baseline="0" dirty="0" err="1">
@@ -1817,12 +2246,24 @@
                 <a:ea typeface="+mn-ea"/>
                 <a:cs typeface="+mn-cs"/>
               </a:rPr>
-              <a:t> at the expense of performance. Used in its</a:t>
-            </a:r>
-          </a:p>
-          <a:p>
-            <a:r>
-              <a:rPr lang="en-US" sz="1200" b="0" i="0" u="none" strike="noStrike" kern="1200" baseline="0" dirty="0">
+              <a:t> at the expense of performance. </a:t>
+            </a:r>
+            <a:endParaRPr lang="en-US" sz="1200" b="0" i="0" u="none" strike="noStrike" kern="1200" baseline="0" dirty="0" smtClean="0">
+              <a:solidFill>
+                <a:schemeClr val="tx1"/>
+              </a:solidFill>
+              <a:latin typeface="+mn-lt"/>
+              <a:ea typeface="+mn-ea"/>
+              <a:cs typeface="+mn-cs"/>
+            </a:endParaRPr>
+          </a:p>
+          <a:p>
+            <a:pPr marL="171450" indent="-171450">
+              <a:buFont typeface="Arial"/>
+              <a:buChar char="•"/>
+            </a:pPr>
+            <a:r>
+              <a:rPr lang="en-US" sz="1200" b="0" i="0" u="none" strike="noStrike" kern="1200" baseline="0" dirty="0" smtClean="0">
                 <a:solidFill>
                   <a:schemeClr val="tx1"/>
                 </a:solidFill>
@@ -1830,7 +2271,40 @@
                 <a:ea typeface="+mn-ea"/>
                 <a:cs typeface="+mn-cs"/>
               </a:rPr>
-              <a:t>basic form, </a:t>
+              <a:t>Used </a:t>
+            </a:r>
+            <a:r>
+              <a:rPr lang="en-US" sz="1200" b="0" i="0" u="none" strike="noStrike" kern="1200" baseline="0" dirty="0">
+                <a:solidFill>
+                  <a:schemeClr val="tx1"/>
+                </a:solidFill>
+                <a:latin typeface="+mn-lt"/>
+                <a:ea typeface="+mn-ea"/>
+                <a:cs typeface="+mn-cs"/>
+              </a:rPr>
+              <a:t>in </a:t>
+            </a:r>
+            <a:r>
+              <a:rPr lang="en-US" sz="1200" b="0" i="0" u="none" strike="noStrike" kern="1200" baseline="0" dirty="0" smtClean="0">
+                <a:solidFill>
+                  <a:schemeClr val="tx1"/>
+                </a:solidFill>
+                <a:latin typeface="+mn-lt"/>
+                <a:ea typeface="+mn-ea"/>
+                <a:cs typeface="+mn-cs"/>
+              </a:rPr>
+              <a:t>its basic </a:t>
+            </a:r>
+            <a:r>
+              <a:rPr lang="en-US" sz="1200" b="0" i="0" u="none" strike="noStrike" kern="1200" baseline="0" dirty="0">
+                <a:solidFill>
+                  <a:schemeClr val="tx1"/>
+                </a:solidFill>
+                <a:latin typeface="+mn-lt"/>
+                <a:ea typeface="+mn-ea"/>
+                <a:cs typeface="+mn-cs"/>
+              </a:rPr>
+              <a:t>form, </a:t>
             </a:r>
             <a:r>
               <a:rPr lang="en-US" sz="1200" b="0" i="0" u="none" strike="noStrike" kern="1200" baseline="0" dirty="0" err="1">
@@ -1956,7 +2430,7 @@
               <a:defRPr/>
             </a:pPr>
             <a:r>
-              <a:rPr lang="en-US" sz="1200" b="1" i="0" u="none" strike="noStrike" kern="1200" baseline="0" dirty="0" smtClean="0">
+              <a:rPr lang="en-US" sz="1200" b="1" i="0" u="none" strike="noStrike" kern="1200" baseline="0" dirty="0">
                 <a:solidFill>
                   <a:schemeClr val="tx1"/>
                 </a:solidFill>
@@ -1986,7 +2460,7 @@
               <a:defRPr/>
             </a:pPr>
             <a:r>
-              <a:rPr lang="en-US" sz="1200" b="0" i="0" u="none" strike="noStrike" kern="1200" baseline="0" dirty="0" smtClean="0">
+              <a:rPr lang="en-US" sz="1200" b="0" i="0" u="none" strike="noStrike" kern="1200" baseline="0" dirty="0">
                 <a:solidFill>
                   <a:schemeClr val="tx1"/>
                 </a:solidFill>
@@ -1994,18 +2468,7 @@
                 <a:ea typeface="+mn-ea"/>
                 <a:cs typeface="+mn-cs"/>
               </a:rPr>
-              <a:t>Images </a:t>
-            </a:r>
-            <a:r>
-              <a:rPr lang="en-US" sz="1200" b="0" i="0" u="none" strike="noStrike" kern="1200" baseline="0" dirty="0">
-                <a:solidFill>
-                  <a:schemeClr val="tx1"/>
-                </a:solidFill>
-                <a:latin typeface="+mn-lt"/>
-                <a:ea typeface="+mn-ea"/>
-                <a:cs typeface="+mn-cs"/>
-              </a:rPr>
-              <a:t>from </a:t>
+              <a:t>Images from </a:t>
             </a:r>
             <a:r>
               <a:rPr lang="en-US" sz="1200" b="0" i="1" u="none" strike="noStrike" kern="1200" baseline="0" dirty="0">
@@ -2117,7 +2580,7 @@
               <a:buNone/>
             </a:pPr>
             <a:r>
-              <a:rPr lang="en-US" sz="1200" b="1" i="0" u="none" strike="noStrike" kern="1200" baseline="0" dirty="0" smtClean="0">
+              <a:rPr lang="en-US" sz="1200" b="1" i="0" u="none" strike="noStrike" kern="1200" baseline="0" dirty="0">
                 <a:solidFill>
                   <a:schemeClr val="tx1"/>
                 </a:solidFill>
@@ -2134,7 +2597,7 @@
               <a:buChar char="•"/>
             </a:pPr>
             <a:r>
-              <a:rPr lang="en-US" sz="1200" b="0" i="0" u="none" strike="noStrike" kern="1200" baseline="0" dirty="0" smtClean="0">
+              <a:rPr lang="en-US" sz="1200" b="0" i="0" u="none" strike="noStrike" kern="1200" baseline="0" dirty="0">
                 <a:solidFill>
                   <a:schemeClr val="tx1"/>
                 </a:solidFill>
@@ -2142,18 +2605,7 @@
                 <a:ea typeface="+mn-ea"/>
                 <a:cs typeface="+mn-cs"/>
               </a:rPr>
-              <a:t>Here </a:t>
-            </a:r>
-            <a:r>
-              <a:rPr lang="en-US" sz="1200" b="0" i="0" u="none" strike="noStrike" kern="1200" baseline="0" dirty="0">
-                <a:solidFill>
-                  <a:schemeClr val="tx1"/>
-                </a:solidFill>
-                <a:latin typeface="+mn-lt"/>
-                <a:ea typeface="+mn-ea"/>
-                <a:cs typeface="+mn-cs"/>
-              </a:rPr>
-              <a:t>you bind the list to an </a:t>
+              <a:t>Here you bind the list to an </a:t>
             </a:r>
             <a:r>
               <a:rPr lang="en-US" sz="1200" b="0" i="0" u="none" strike="noStrike" kern="1200" baseline="0" dirty="0" err="1">
@@ -2355,7 +2807,7 @@
               <a:buNone/>
             </a:pPr>
             <a:r>
-              <a:rPr lang="en-US" sz="1200" b="1" i="0" u="none" strike="noStrike" kern="1200" baseline="0" dirty="0" smtClean="0">
+              <a:rPr lang="en-US" sz="1200" b="1" i="0" u="none" strike="noStrike" kern="1200" baseline="0" dirty="0">
                 <a:solidFill>
                   <a:schemeClr val="tx1"/>
                 </a:solidFill>
@@ -2372,7 +2824,7 @@
               <a:buChar char="•"/>
             </a:pPr>
             <a:r>
-              <a:rPr lang="en-US" sz="1200" b="0" i="0" u="none" strike="noStrike" kern="1200" baseline="0" dirty="0" smtClean="0">
+              <a:rPr lang="en-US" sz="1200" b="0" i="0" u="none" strike="noStrike" kern="1200" baseline="0" dirty="0">
                 <a:solidFill>
                   <a:schemeClr val="tx1"/>
                 </a:solidFill>
@@ -2380,18 +2832,7 @@
                 <a:ea typeface="+mn-ea"/>
                 <a:cs typeface="+mn-cs"/>
               </a:rPr>
-              <a:t>User </a:t>
-            </a:r>
-            <a:r>
-              <a:rPr lang="en-US" sz="1200" b="0" i="0" u="none" strike="noStrike" kern="1200" baseline="0" dirty="0">
-                <a:solidFill>
-                  <a:schemeClr val="tx1"/>
-                </a:solidFill>
-                <a:latin typeface="+mn-lt"/>
-                <a:ea typeface="+mn-ea"/>
-                <a:cs typeface="+mn-cs"/>
-              </a:rPr>
-              <a:t>selection of a list item is handled by overriding the </a:t>
+              <a:t>User selection of a list item is handled by overriding the </a:t>
             </a:r>
             <a:r>
               <a:rPr lang="en-US" sz="1200" b="0" i="0" u="none" strike="noStrike" kern="1200" baseline="0" dirty="0" err="1">
@@ -2567,26 +3008,22 @@
           <a:lstStyle/>
           <a:p>
             <a:r>
-              <a:rPr lang="en-US" b="1" dirty="0" smtClean="0"/>
+              <a:rPr lang="en-US" b="1" dirty="0"/>
               <a:t>Notes:</a:t>
             </a:r>
             <a:r>
-              <a:rPr lang="en-US" dirty="0" smtClean="0"/>
+              <a:rPr lang="en-US" dirty="0"/>
               <a:t> </a:t>
             </a:r>
           </a:p>
           <a:p>
             <a:r>
-              <a:rPr lang="en-US" dirty="0" smtClean="0"/>
+              <a:rPr lang="en-US" dirty="0"/>
               <a:t>Also</a:t>
             </a:r>
             <a:r>
-              <a:rPr lang="en-US" baseline="0" dirty="0" smtClean="0"/>
-              <a:t> </a:t>
-            </a:r>
-            <a:r>
               <a:rPr lang="en-US" baseline="0" dirty="0"/>
-              <a:t>needed:</a:t>
+              <a:t> needed:</a:t>
             </a:r>
           </a:p>
           <a:p>
@@ -2725,13 +3162,8 @@
           <a:p>
             <a:r>
               <a:rPr lang="en-US" dirty="0"/>
-              <a:t>        </a:t>
-            </a:r>
-            <a:r>
-              <a:rPr lang="en-US" dirty="0" smtClean="0"/>
-              <a:t>}</a:t>
-            </a:r>
-            <a:endParaRPr lang="en-US" dirty="0"/>
+              <a:t>        }</a:t>
+            </a:r>
           </a:p>
         </p:txBody>
       </p:sp>
@@ -2816,7 +3248,7 @@
           <a:lstStyle/>
           <a:p>
             <a:r>
-              <a:rPr lang="en-US" b="1" dirty="0" smtClean="0"/>
+              <a:rPr lang="en-US" b="1" dirty="0"/>
               <a:t>Notes:</a:t>
             </a:r>
           </a:p>
@@ -2826,7 +3258,7 @@
               <a:buChar char="•"/>
             </a:pPr>
             <a:r>
-              <a:rPr lang="en-US" dirty="0" smtClean="0"/>
+              <a:rPr lang="en-US" dirty="0"/>
               <a:t>Place </a:t>
             </a:r>
             <a:r>
@@ -2947,7 +3379,7 @@
               <a:defRPr/>
             </a:pPr>
             <a:r>
-              <a:rPr lang="en-US" b="1" dirty="0" smtClean="0"/>
+              <a:rPr lang="en-US" b="1" dirty="0"/>
               <a:t>Notes:</a:t>
             </a:r>
           </a:p>
@@ -2970,9 +3402,75 @@
               <a:defRPr/>
             </a:pPr>
             <a:r>
+              <a:rPr lang="en-US" dirty="0"/>
+              <a:t>This code attempts to use existing View rows before constructing new ones</a:t>
+            </a:r>
+            <a:r>
               <a:rPr lang="en-US" dirty="0" smtClean="0"/>
-              <a:t>This code attempts to use existing View rows before constructing new ones.</a:t>
-            </a:r>
+              <a:t>.</a:t>
+            </a:r>
+          </a:p>
+          <a:p>
+            <a:pPr marL="171450" marR="0" indent="-171450" algn="l" defTabSz="914400" rtl="0" eaLnBrk="1" fontAlgn="auto" latinLnBrk="0" hangingPunct="1">
+              <a:lnSpc>
+                <a:spcPct val="100000"/>
+              </a:lnSpc>
+              <a:spcBef>
+                <a:spcPts val="0"/>
+              </a:spcBef>
+              <a:spcAft>
+                <a:spcPts val="0"/>
+              </a:spcAft>
+              <a:buClrTx/>
+              <a:buSzTx/>
+              <a:buFont typeface="Arial"/>
+              <a:buChar char="•"/>
+              <a:tabLst/>
+              <a:defRPr/>
+            </a:pPr>
+            <a:r>
+              <a:rPr lang="en-US" sz="1200" kern="1200" dirty="0" smtClean="0">
+                <a:solidFill>
+                  <a:schemeClr val="tx1"/>
+                </a:solidFill>
+                <a:effectLst/>
+                <a:latin typeface="+mn-lt"/>
+                <a:ea typeface="+mn-ea"/>
+                <a:cs typeface="+mn-cs"/>
+              </a:rPr>
+              <a:t>It is important to code for performance, which means cell reuse when possible. The </a:t>
+            </a:r>
+            <a:r>
+              <a:rPr lang="en-US" sz="1200" kern="1200" dirty="0" err="1" smtClean="0">
+                <a:solidFill>
+                  <a:schemeClr val="tx1"/>
+                </a:solidFill>
+                <a:effectLst/>
+                <a:latin typeface="+mn-lt"/>
+                <a:ea typeface="+mn-ea"/>
+                <a:cs typeface="+mn-cs"/>
+              </a:rPr>
+              <a:t>GetView</a:t>
+            </a:r>
+            <a:r>
+              <a:rPr lang="en-US" sz="1200" kern="1200" dirty="0" smtClean="0">
+                <a:solidFill>
+                  <a:schemeClr val="tx1"/>
+                </a:solidFill>
+                <a:effectLst/>
+                <a:latin typeface="+mn-lt"/>
+                <a:ea typeface="+mn-ea"/>
+                <a:cs typeface="+mn-cs"/>
+              </a:rPr>
+              <a:t> of the adapter constructs each row of the list as needed.  The View parameter contains an existing row, if one exists.  This should be used if possible.  If it is null, then a new row must be created, using the Inflate method.</a:t>
+            </a:r>
+            <a:r>
+              <a:rPr lang="en-US" dirty="0" smtClean="0">
+                <a:effectLst/>
+              </a:rPr>
+              <a:t> </a:t>
+            </a:r>
+            <a:endParaRPr lang="en-US" dirty="0" smtClean="0"/>
           </a:p>
         </p:txBody>
       </p:sp>
@@ -3080,70 +3578,81 @@
               <a:defRPr/>
             </a:pPr>
             <a:r>
-              <a:rPr lang="en-US" b="1" dirty="0" smtClean="0"/>
+              <a:rPr lang="en-US" b="1" dirty="0"/>
               <a:t>Notes:</a:t>
             </a:r>
-          </a:p>
-          <a:p>
-            <a:pPr marL="171450" marR="0" indent="-171450" algn="l" defTabSz="914400" rtl="0" eaLnBrk="0" fontAlgn="base" latinLnBrk="0" hangingPunct="0">
-              <a:lnSpc>
-                <a:spcPct val="100000"/>
-              </a:lnSpc>
-              <a:spcBef>
-                <a:spcPct val="30000"/>
-              </a:spcBef>
-              <a:spcAft>
-                <a:spcPct val="0"/>
-              </a:spcAft>
-              <a:buClrTx/>
-              <a:buSzTx/>
-              <a:buFont typeface="Arial"/>
-              <a:buChar char="•"/>
-              <a:tabLst/>
-              <a:defRPr/>
-            </a:pPr>
-            <a:r>
-              <a:rPr lang="en-US" dirty="0" smtClean="0"/>
-              <a:t>Intents</a:t>
-            </a:r>
-            <a:r>
-              <a:rPr lang="en-US" baseline="0" dirty="0" smtClean="0"/>
-              <a:t> </a:t>
-            </a:r>
-            <a:r>
-              <a:rPr lang="en-US" baseline="0" dirty="0"/>
-              <a:t>have built-in bundles.</a:t>
-            </a:r>
-          </a:p>
-          <a:p>
-            <a:pPr marL="171450" marR="0" indent="-171450" algn="l" defTabSz="914400" rtl="0" eaLnBrk="0" fontAlgn="base" latinLnBrk="0" hangingPunct="0">
-              <a:lnSpc>
-                <a:spcPct val="100000"/>
-              </a:lnSpc>
-              <a:spcBef>
-                <a:spcPct val="30000"/>
-              </a:spcBef>
-              <a:spcAft>
-                <a:spcPct val="0"/>
-              </a:spcAft>
-              <a:buClrTx/>
-              <a:buSzTx/>
-              <a:buFont typeface="Arial"/>
-              <a:buChar char="•"/>
-              <a:tabLst/>
-              <a:defRPr/>
-            </a:pPr>
-            <a:r>
-              <a:rPr lang="en-US" baseline="0" dirty="0"/>
-              <a:t>Intent is a class used to switch activities.</a:t>
-            </a:r>
-            <a:endParaRPr lang="en-US" dirty="0"/>
           </a:p>
           <a:p>
             <a:pPr marL="171450" indent="-171450">
               <a:buFont typeface="Arial"/>
               <a:buChar char="•"/>
             </a:pPr>
+            <a:r>
+              <a:rPr lang="en-US" sz="1200" b="0" i="0" u="none" strike="noStrike" kern="1200" baseline="0" dirty="0">
+                <a:solidFill>
+                  <a:schemeClr val="tx1"/>
+                </a:solidFill>
+                <a:latin typeface="+mn-lt"/>
+                <a:ea typeface="+mn-ea"/>
+                <a:cs typeface="+mn-cs"/>
+              </a:rPr>
+              <a:t>Intents create and navigate to new screens on Android. Instantiate an intent with the parameter of </a:t>
+            </a:r>
+            <a:r>
+              <a:rPr lang="en-US" sz="1200" b="0" i="0" u="none" strike="noStrike" kern="1200" baseline="0" dirty="0" smtClean="0">
+                <a:solidFill>
+                  <a:schemeClr val="tx1"/>
+                </a:solidFill>
+                <a:latin typeface="+mn-lt"/>
+                <a:ea typeface="+mn-ea"/>
+                <a:cs typeface="+mn-cs"/>
+              </a:rPr>
+              <a:t>the desired </a:t>
+            </a:r>
+            <a:r>
+              <a:rPr lang="en-US" sz="1200" b="0" i="0" u="none" strike="noStrike" kern="1200" baseline="0" dirty="0">
+                <a:solidFill>
+                  <a:schemeClr val="tx1"/>
+                </a:solidFill>
+                <a:latin typeface="+mn-lt"/>
+                <a:ea typeface="+mn-ea"/>
+                <a:cs typeface="+mn-cs"/>
+              </a:rPr>
+              <a:t>new activity, and then call the </a:t>
+            </a:r>
+            <a:r>
+              <a:rPr lang="en-US" sz="1200" b="0" i="0" u="none" strike="noStrike" kern="1200" baseline="0" dirty="0" err="1">
+                <a:solidFill>
+                  <a:schemeClr val="tx1"/>
+                </a:solidFill>
+                <a:latin typeface="+mn-lt"/>
+                <a:ea typeface="+mn-ea"/>
+                <a:cs typeface="+mn-cs"/>
+              </a:rPr>
+              <a:t>Activity.StartActivity</a:t>
+            </a:r>
+            <a:r>
+              <a:rPr lang="en-US" sz="1200" b="0" i="0" u="none" strike="noStrike" kern="1200" baseline="0" dirty="0">
+                <a:solidFill>
+                  <a:schemeClr val="tx1"/>
+                </a:solidFill>
+                <a:latin typeface="+mn-lt"/>
+                <a:ea typeface="+mn-ea"/>
+                <a:cs typeface="+mn-cs"/>
+              </a:rPr>
+              <a:t> method, passing in the intent</a:t>
+            </a:r>
+            <a:r>
+              <a:rPr lang="en-US" sz="1200" b="0" i="0" u="none" strike="noStrike" kern="1200" baseline="0" dirty="0" smtClean="0">
+                <a:solidFill>
+                  <a:schemeClr val="tx1"/>
+                </a:solidFill>
+                <a:latin typeface="+mn-lt"/>
+                <a:ea typeface="+mn-ea"/>
+                <a:cs typeface="+mn-cs"/>
+              </a:rPr>
+              <a:t>.</a:t>
+            </a:r>
             <a:endParaRPr lang="en-US" dirty="0"/>
           </a:p>
         </p:txBody>
@@ -3244,10 +3753,9 @@
           </a:lstStyle>
           <a:p>
             <a:r>
-              <a:rPr lang="en-US" smtClean="0"/>
+              <a:rPr lang="en-US"/>
               <a:t>Click to edit Master title style</a:t>
             </a:r>
-            <a:endParaRPr lang="en-US"/>
           </a:p>
         </p:txBody>
       </p:sp>
@@ -3315,7 +3823,7 @@
           </a:lstStyle>
           <a:p>
             <a:r>
-              <a:rPr lang="en-US" smtClean="0"/>
+              <a:rPr lang="en-US"/>
               <a:t>Click to edit Master subtitle style</a:t>
             </a:r>
             <a:endParaRPr lang="en-US" dirty="0"/>
@@ -3339,7 +3847,7 @@
           <a:p>
             <a:fld id="{0459C166-16D3-4A25-A2F8-C51E0E346B22}" type="datetimeFigureOut">
               <a:rPr lang="en-US" smtClean="0"/>
-              <a:t>6/16/16</a:t>
+              <a:t>6/28/16</a:t>
             </a:fld>
             <a:endParaRPr lang="en-US"/>
           </a:p>
@@ -3438,10 +3946,9 @@
           <a:lstStyle/>
           <a:p>
             <a:r>
-              <a:rPr lang="en-US" smtClean="0"/>
+              <a:rPr lang="en-US"/>
               <a:t>Click to edit Master title style</a:t>
             </a:r>
-            <a:endParaRPr lang="en-US"/>
           </a:p>
         </p:txBody>
       </p:sp>
@@ -3504,7 +4011,7 @@
           <a:p>
             <a:pPr lvl="0"/>
             <a:r>
-              <a:rPr lang="en-US" smtClean="0"/>
+              <a:rPr lang="en-US"/>
               <a:t>Click to edit Master text styles</a:t>
             </a:r>
           </a:p>
@@ -3532,38 +4039,37 @@
           <a:p>
             <a:pPr lvl="0"/>
             <a:r>
-              <a:rPr lang="en-US" smtClean="0"/>
+              <a:rPr lang="en-US"/>
               <a:t>Click to edit Master text styles</a:t>
             </a:r>
           </a:p>
           <a:p>
             <a:pPr lvl="1"/>
             <a:r>
-              <a:rPr lang="en-US" smtClean="0"/>
+              <a:rPr lang="en-US"/>
               <a:t>Second level</a:t>
             </a:r>
           </a:p>
           <a:p>
             <a:pPr lvl="2"/>
             <a:r>
-              <a:rPr lang="en-US" smtClean="0"/>
+              <a:rPr lang="en-US"/>
               <a:t>Third level</a:t>
             </a:r>
           </a:p>
           <a:p>
             <a:pPr lvl="3"/>
             <a:r>
-              <a:rPr lang="en-US" smtClean="0"/>
+              <a:rPr lang="en-US"/>
               <a:t>Fourth level</a:t>
             </a:r>
           </a:p>
           <a:p>
             <a:pPr lvl="4"/>
             <a:r>
-              <a:rPr lang="en-US" smtClean="0"/>
+              <a:rPr lang="en-US"/>
               <a:t>Fifth level</a:t>
             </a:r>
-            <a:endParaRPr lang="en-US"/>
           </a:p>
         </p:txBody>
       </p:sp>
@@ -3626,7 +4132,7 @@
           <a:p>
             <a:pPr lvl="0"/>
             <a:r>
-              <a:rPr lang="en-US" smtClean="0"/>
+              <a:rPr lang="en-US"/>
               <a:t>Click to edit Master text styles</a:t>
             </a:r>
           </a:p>
@@ -3654,38 +4160,37 @@
           <a:p>
             <a:pPr lvl="0"/>
             <a:r>
-              <a:rPr lang="en-US" smtClean="0"/>
+              <a:rPr lang="en-US"/>
               <a:t>Click to edit Master text styles</a:t>
             </a:r>
           </a:p>
           <a:p>
             <a:pPr lvl="1"/>
             <a:r>
-              <a:rPr lang="en-US" smtClean="0"/>
+              <a:rPr lang="en-US"/>
               <a:t>Second level</a:t>
             </a:r>
           </a:p>
           <a:p>
             <a:pPr lvl="2"/>
             <a:r>
-              <a:rPr lang="en-US" smtClean="0"/>
+              <a:rPr lang="en-US"/>
               <a:t>Third level</a:t>
             </a:r>
           </a:p>
           <a:p>
             <a:pPr lvl="3"/>
             <a:r>
-              <a:rPr lang="en-US" smtClean="0"/>
+              <a:rPr lang="en-US"/>
               <a:t>Fourth level</a:t>
             </a:r>
           </a:p>
           <a:p>
             <a:pPr lvl="4"/>
             <a:r>
-              <a:rPr lang="en-US" smtClean="0"/>
+              <a:rPr lang="en-US"/>
               <a:t>Fifth level</a:t>
             </a:r>
-            <a:endParaRPr lang="en-US"/>
           </a:p>
         </p:txBody>
       </p:sp>
@@ -3706,7 +4211,7 @@
           <a:p>
             <a:fld id="{0459C166-16D3-4A25-A2F8-C51E0E346B22}" type="datetimeFigureOut">
               <a:rPr lang="en-US" smtClean="0"/>
-              <a:t>6/16/16</a:t>
+              <a:t>6/28/16</a:t>
             </a:fld>
             <a:endParaRPr lang="en-US"/>
           </a:p>
@@ -3800,10 +4305,9 @@
           <a:lstStyle/>
           <a:p>
             <a:r>
-              <a:rPr lang="en-US" smtClean="0"/>
+              <a:rPr lang="en-US"/>
               <a:t>Click to edit Master title style</a:t>
             </a:r>
-            <a:endParaRPr lang="en-US"/>
           </a:p>
         </p:txBody>
       </p:sp>
@@ -3824,7 +4328,7 @@
           <a:p>
             <a:fld id="{0459C166-16D3-4A25-A2F8-C51E0E346B22}" type="datetimeFigureOut">
               <a:rPr lang="en-US" smtClean="0"/>
-              <a:t>6/16/16</a:t>
+              <a:t>6/28/16</a:t>
             </a:fld>
             <a:endParaRPr lang="en-US"/>
           </a:p>
@@ -3918,10 +4422,9 @@
           <a:lstStyle/>
           <a:p>
             <a:r>
-              <a:rPr lang="en-US" smtClean="0"/>
+              <a:rPr lang="en-US"/>
               <a:t>Click to edit Master title style</a:t>
             </a:r>
-            <a:endParaRPr lang="en-US"/>
           </a:p>
         </p:txBody>
       </p:sp>
@@ -3942,38 +4445,37 @@
           <a:p>
             <a:pPr lvl="0"/>
             <a:r>
-              <a:rPr lang="en-US" smtClean="0"/>
+              <a:rPr lang="en-US"/>
               <a:t>Click to edit Master text styles</a:t>
             </a:r>
           </a:p>
           <a:p>
             <a:pPr lvl="1"/>
             <a:r>
-              <a:rPr lang="en-US" smtClean="0"/>
+              <a:rPr lang="en-US"/>
               <a:t>Second level</a:t>
             </a:r>
           </a:p>
           <a:p>
             <a:pPr lvl="2"/>
             <a:r>
-              <a:rPr lang="en-US" smtClean="0"/>
+              <a:rPr lang="en-US"/>
               <a:t>Third level</a:t>
             </a:r>
           </a:p>
           <a:p>
             <a:pPr lvl="3"/>
             <a:r>
-              <a:rPr lang="en-US" smtClean="0"/>
+              <a:rPr lang="en-US"/>
               <a:t>Fourth level</a:t>
             </a:r>
           </a:p>
           <a:p>
             <a:pPr lvl="4"/>
             <a:r>
-              <a:rPr lang="en-US" smtClean="0"/>
+              <a:rPr lang="en-US"/>
               <a:t>Fifth level</a:t>
             </a:r>
-            <a:endParaRPr lang="en-US"/>
           </a:p>
         </p:txBody>
       </p:sp>
@@ -3994,7 +4496,7 @@
           <a:p>
             <a:fld id="{0459C166-16D3-4A25-A2F8-C51E0E346B22}" type="datetimeFigureOut">
               <a:rPr lang="en-US" smtClean="0"/>
-              <a:t>6/16/16</a:t>
+              <a:t>6/28/16</a:t>
             </a:fld>
             <a:endParaRPr lang="en-US"/>
           </a:p>
@@ -4109,10 +4611,9 @@
           </a:lstStyle>
           <a:p>
             <a:r>
-              <a:rPr lang="en-US" smtClean="0"/>
+              <a:rPr lang="en-US"/>
               <a:t>Click to edit Master title style</a:t>
             </a:r>
-            <a:endParaRPr lang="en-US"/>
           </a:p>
         </p:txBody>
       </p:sp>
@@ -4227,7 +4728,7 @@
           <a:p>
             <a:pPr lvl="0"/>
             <a:r>
-              <a:rPr lang="en-US" smtClean="0"/>
+              <a:rPr lang="en-US"/>
               <a:t>Click to edit Master text styles</a:t>
             </a:r>
           </a:p>
@@ -4259,7 +4760,7 @@
             <a:fld id="{0459C166-16D3-4A25-A2F8-C51E0E346B22}" type="datetimeFigureOut">
               <a:rPr lang="en-US" smtClean="0"/>
               <a:pPr/>
-              <a:t>6/16/16</a:t>
+              <a:t>6/28/16</a:t>
             </a:fld>
             <a:endParaRPr lang="en-US"/>
           </a:p>
@@ -4391,10 +4892,9 @@
           </a:lstStyle>
           <a:p>
             <a:r>
-              <a:rPr lang="en-US" smtClean="0"/>
+              <a:rPr lang="en-US"/>
               <a:t>Click to edit Master title style</a:t>
             </a:r>
-            <a:endParaRPr lang="en-US"/>
           </a:p>
         </p:txBody>
       </p:sp>
@@ -4473,38 +4973,37 @@
           <a:p>
             <a:pPr lvl="0"/>
             <a:r>
-              <a:rPr lang="en-US" noProof="1" smtClean="0"/>
+              <a:rPr lang="en-US" noProof="1"/>
               <a:t>Click to edit Master text styles</a:t>
             </a:r>
           </a:p>
           <a:p>
             <a:pPr lvl="1"/>
             <a:r>
-              <a:rPr lang="en-US" noProof="1" smtClean="0"/>
+              <a:rPr lang="en-US" noProof="1"/>
               <a:t>Second level</a:t>
             </a:r>
           </a:p>
           <a:p>
             <a:pPr lvl="2"/>
             <a:r>
-              <a:rPr lang="en-US" noProof="1" smtClean="0"/>
+              <a:rPr lang="en-US" noProof="1"/>
               <a:t>Third level</a:t>
             </a:r>
           </a:p>
           <a:p>
             <a:pPr lvl="3"/>
             <a:r>
-              <a:rPr lang="en-US" noProof="1" smtClean="0"/>
+              <a:rPr lang="en-US" noProof="1"/>
               <a:t>Fourth level</a:t>
             </a:r>
           </a:p>
           <a:p>
             <a:pPr lvl="4"/>
             <a:r>
-              <a:rPr lang="en-US" noProof="1" smtClean="0"/>
+              <a:rPr lang="en-US" noProof="1"/>
               <a:t>Fifth level</a:t>
             </a:r>
-            <a:endParaRPr lang="en-US" noProof="1"/>
           </a:p>
         </p:txBody>
       </p:sp>
@@ -4554,10 +5053,9 @@
           <a:lstStyle/>
           <a:p>
             <a:r>
-              <a:rPr lang="en-US" smtClean="0"/>
+              <a:rPr lang="en-US"/>
               <a:t>Click to edit Master title style</a:t>
             </a:r>
-            <a:endParaRPr lang="en-US"/>
           </a:p>
         </p:txBody>
       </p:sp>
@@ -4578,7 +5076,7 @@
           <a:p>
             <a:fld id="{0459C166-16D3-4A25-A2F8-C51E0E346B22}" type="datetimeFigureOut">
               <a:rPr lang="en-US" smtClean="0"/>
-              <a:t>6/16/16</a:t>
+              <a:t>6/28/16</a:t>
             </a:fld>
             <a:endParaRPr lang="en-US"/>
           </a:p>
@@ -4866,35 +5364,35 @@
           <a:p>
             <a:pPr lvl="0"/>
             <a:r>
-              <a:rPr lang="en-US" smtClean="0"/>
+              <a:rPr lang="en-US"/>
               <a:t>Click to edit Master text styles</a:t>
             </a:r>
           </a:p>
           <a:p>
             <a:pPr lvl="1"/>
             <a:r>
-              <a:rPr lang="en-US" smtClean="0"/>
+              <a:rPr lang="en-US"/>
               <a:t>Second level</a:t>
             </a:r>
           </a:p>
           <a:p>
             <a:pPr lvl="2"/>
             <a:r>
-              <a:rPr lang="en-US" smtClean="0"/>
+              <a:rPr lang="en-US"/>
               <a:t>Third level</a:t>
             </a:r>
           </a:p>
           <a:p>
             <a:pPr lvl="3"/>
             <a:r>
-              <a:rPr lang="en-US" smtClean="0"/>
+              <a:rPr lang="en-US"/>
               <a:t>Fourth level</a:t>
             </a:r>
           </a:p>
           <a:p>
             <a:pPr lvl="4"/>
             <a:r>
-              <a:rPr lang="en-US" smtClean="0"/>
+              <a:rPr lang="en-US"/>
               <a:t>Fifth level</a:t>
             </a:r>
             <a:endParaRPr lang="en-US" dirty="0"/>
@@ -4951,7 +5449,7 @@
           </a:lstStyle>
           <a:p>
             <a:r>
-              <a:rPr lang="en-US" smtClean="0"/>
+              <a:rPr lang="en-US"/>
               <a:t>Click to edit Master title style</a:t>
             </a:r>
             <a:endParaRPr lang="en-US" dirty="0"/>
@@ -4975,7 +5473,7 @@
           <a:p>
             <a:fld id="{0459C166-16D3-4A25-A2F8-C51E0E346B22}" type="datetimeFigureOut">
               <a:rPr lang="en-US" smtClean="0"/>
-              <a:t>6/16/16</a:t>
+              <a:t>6/28/16</a:t>
             </a:fld>
             <a:endParaRPr lang="en-US"/>
           </a:p>
@@ -5263,35 +5761,35 @@
           <a:p>
             <a:pPr lvl="0"/>
             <a:r>
-              <a:rPr lang="en-US" smtClean="0"/>
+              <a:rPr lang="en-US"/>
               <a:t>Click to edit Master text styles</a:t>
             </a:r>
           </a:p>
           <a:p>
             <a:pPr lvl="1"/>
             <a:r>
-              <a:rPr lang="en-US" smtClean="0"/>
+              <a:rPr lang="en-US"/>
               <a:t>Second level</a:t>
             </a:r>
           </a:p>
           <a:p>
             <a:pPr lvl="2"/>
             <a:r>
-              <a:rPr lang="en-US" smtClean="0"/>
+              <a:rPr lang="en-US"/>
               <a:t>Third level</a:t>
             </a:r>
           </a:p>
           <a:p>
             <a:pPr lvl="3"/>
             <a:r>
-              <a:rPr lang="en-US" smtClean="0"/>
+              <a:rPr lang="en-US"/>
               <a:t>Fourth level</a:t>
             </a:r>
           </a:p>
           <a:p>
             <a:pPr lvl="4"/>
             <a:r>
-              <a:rPr lang="en-US" smtClean="0"/>
+              <a:rPr lang="en-US"/>
               <a:t>Fifth level</a:t>
             </a:r>
             <a:endParaRPr lang="en-US" dirty="0"/>
@@ -5349,10 +5847,9 @@
           <a:lstStyle/>
           <a:p>
             <a:r>
-              <a:rPr lang="en-US" smtClean="0"/>
+              <a:rPr lang="en-US"/>
               <a:t>Click to edit Master title style</a:t>
             </a:r>
-            <a:endParaRPr lang="en-US"/>
           </a:p>
         </p:txBody>
       </p:sp>
@@ -5444,38 +5941,37 @@
           <a:p>
             <a:pPr lvl="0"/>
             <a:r>
-              <a:rPr lang="en-US" noProof="1" smtClean="0"/>
+              <a:rPr lang="en-US" noProof="1"/>
               <a:t>Click to edit Master text styles</a:t>
             </a:r>
           </a:p>
           <a:p>
             <a:pPr lvl="1"/>
             <a:r>
-              <a:rPr lang="en-US" noProof="1" smtClean="0"/>
+              <a:rPr lang="en-US" noProof="1"/>
               <a:t>Second level</a:t>
             </a:r>
           </a:p>
           <a:p>
             <a:pPr lvl="2"/>
             <a:r>
-              <a:rPr lang="en-US" noProof="1" smtClean="0"/>
+              <a:rPr lang="en-US" noProof="1"/>
               <a:t>Third level</a:t>
             </a:r>
           </a:p>
           <a:p>
             <a:pPr lvl="3"/>
             <a:r>
-              <a:rPr lang="en-US" noProof="1" smtClean="0"/>
+              <a:rPr lang="en-US" noProof="1"/>
               <a:t>Fourth level</a:t>
             </a:r>
           </a:p>
           <a:p>
             <a:pPr lvl="4"/>
             <a:r>
-              <a:rPr lang="en-US" noProof="1" smtClean="0"/>
+              <a:rPr lang="en-US" noProof="1"/>
               <a:t>Fifth level</a:t>
             </a:r>
-            <a:endParaRPr lang="en-US" noProof="1"/>
           </a:p>
         </p:txBody>
       </p:sp>
@@ -5546,10 +6042,9 @@
           </a:lstStyle>
           <a:p>
             <a:r>
-              <a:rPr lang="en-US" smtClean="0"/>
+              <a:rPr lang="en-US"/>
               <a:t>Click to edit Master title style</a:t>
             </a:r>
-            <a:endParaRPr lang="en-US"/>
           </a:p>
         </p:txBody>
       </p:sp>
@@ -5616,35 +6111,35 @@
           <a:p>
             <a:pPr lvl="0"/>
             <a:r>
-              <a:rPr lang="en-US" smtClean="0"/>
+              <a:rPr lang="en-US"/>
               <a:t>Click to edit Master text styles</a:t>
             </a:r>
           </a:p>
           <a:p>
             <a:pPr lvl="1"/>
             <a:r>
-              <a:rPr lang="en-US" smtClean="0"/>
+              <a:rPr lang="en-US"/>
               <a:t>Second level</a:t>
             </a:r>
           </a:p>
           <a:p>
             <a:pPr lvl="2"/>
             <a:r>
-              <a:rPr lang="en-US" smtClean="0"/>
+              <a:rPr lang="en-US"/>
               <a:t>Third level</a:t>
             </a:r>
           </a:p>
           <a:p>
             <a:pPr lvl="3"/>
             <a:r>
-              <a:rPr lang="en-US" smtClean="0"/>
+              <a:rPr lang="en-US"/>
               <a:t>Fourth level</a:t>
             </a:r>
           </a:p>
           <a:p>
             <a:pPr lvl="4"/>
             <a:r>
-              <a:rPr lang="en-US" smtClean="0"/>
+              <a:rPr lang="en-US"/>
               <a:t>Fifth level</a:t>
             </a:r>
             <a:endParaRPr lang="en-US" dirty="0"/>
@@ -5726,38 +6221,37 @@
           <a:p>
             <a:pPr lvl="0"/>
             <a:r>
-              <a:rPr lang="en-US" noProof="1" smtClean="0"/>
+              <a:rPr lang="en-US" noProof="1"/>
               <a:t>Click to edit Master text styles</a:t>
             </a:r>
           </a:p>
           <a:p>
             <a:pPr lvl="1"/>
             <a:r>
-              <a:rPr lang="en-US" noProof="1" smtClean="0"/>
+              <a:rPr lang="en-US" noProof="1"/>
               <a:t>Second level</a:t>
             </a:r>
           </a:p>
           <a:p>
             <a:pPr lvl="2"/>
             <a:r>
-              <a:rPr lang="en-US" noProof="1" smtClean="0"/>
+              <a:rPr lang="en-US" noProof="1"/>
               <a:t>Third level</a:t>
             </a:r>
           </a:p>
           <a:p>
             <a:pPr lvl="3"/>
             <a:r>
-              <a:rPr lang="en-US" noProof="1" smtClean="0"/>
+              <a:rPr lang="en-US" noProof="1"/>
               <a:t>Fourth level</a:t>
             </a:r>
           </a:p>
           <a:p>
             <a:pPr lvl="4"/>
             <a:r>
-              <a:rPr lang="en-US" noProof="1" smtClean="0"/>
+              <a:rPr lang="en-US" noProof="1"/>
               <a:t>Fifth level</a:t>
             </a:r>
-            <a:endParaRPr lang="en-US" noProof="1"/>
           </a:p>
         </p:txBody>
       </p:sp>
@@ -5807,10 +6301,9 @@
           <a:lstStyle/>
           <a:p>
             <a:r>
-              <a:rPr lang="en-US" smtClean="0"/>
+              <a:rPr lang="en-US"/>
               <a:t>Click to edit Master title style</a:t>
             </a:r>
-            <a:endParaRPr lang="en-US"/>
           </a:p>
         </p:txBody>
       </p:sp>
@@ -5836,38 +6329,37 @@
           <a:p>
             <a:pPr lvl="0"/>
             <a:r>
-              <a:rPr lang="en-US" smtClean="0"/>
+              <a:rPr lang="en-US"/>
               <a:t>Click to edit Master text styles</a:t>
             </a:r>
           </a:p>
           <a:p>
             <a:pPr lvl="1"/>
             <a:r>
-              <a:rPr lang="en-US" smtClean="0"/>
+              <a:rPr lang="en-US"/>
               <a:t>Second level</a:t>
             </a:r>
           </a:p>
           <a:p>
             <a:pPr lvl="2"/>
             <a:r>
-              <a:rPr lang="en-US" smtClean="0"/>
+              <a:rPr lang="en-US"/>
               <a:t>Third level</a:t>
             </a:r>
           </a:p>
           <a:p>
             <a:pPr lvl="3"/>
             <a:r>
-              <a:rPr lang="en-US" smtClean="0"/>
+              <a:rPr lang="en-US"/>
               <a:t>Fourth level</a:t>
             </a:r>
           </a:p>
           <a:p>
             <a:pPr lvl="4"/>
             <a:r>
-              <a:rPr lang="en-US" smtClean="0"/>
+              <a:rPr lang="en-US"/>
               <a:t>Fifth level</a:t>
             </a:r>
-            <a:endParaRPr lang="en-US"/>
           </a:p>
         </p:txBody>
       </p:sp>
@@ -5893,38 +6385,37 @@
           <a:p>
             <a:pPr lvl="0"/>
             <a:r>
-              <a:rPr lang="en-US" smtClean="0"/>
+              <a:rPr lang="en-US"/>
               <a:t>Click to edit Master text styles</a:t>
             </a:r>
           </a:p>
           <a:p>
             <a:pPr lvl="1"/>
             <a:r>
-              <a:rPr lang="en-US" smtClean="0"/>
+              <a:rPr lang="en-US"/>
               <a:t>Second level</a:t>
             </a:r>
           </a:p>
           <a:p>
             <a:pPr lvl="2"/>
             <a:r>
-              <a:rPr lang="en-US" smtClean="0"/>
+              <a:rPr lang="en-US"/>
               <a:t>Third level</a:t>
             </a:r>
           </a:p>
           <a:p>
             <a:pPr lvl="3"/>
             <a:r>
-              <a:rPr lang="en-US" smtClean="0"/>
+              <a:rPr lang="en-US"/>
               <a:t>Fourth level</a:t>
             </a:r>
           </a:p>
           <a:p>
             <a:pPr lvl="4"/>
             <a:r>
-              <a:rPr lang="en-US" smtClean="0"/>
+              <a:rPr lang="en-US"/>
               <a:t>Fifth level</a:t>
             </a:r>
-            <a:endParaRPr lang="en-US"/>
           </a:p>
         </p:txBody>
       </p:sp>
@@ -5945,7 +6436,7 @@
           <a:p>
             <a:fld id="{0459C166-16D3-4A25-A2F8-C51E0E346B22}" type="datetimeFigureOut">
               <a:rPr lang="en-US" smtClean="0"/>
-              <a:t>6/16/16</a:t>
+              <a:t>6/28/16</a:t>
             </a:fld>
             <a:endParaRPr lang="en-US"/>
           </a:p>
@@ -6054,10 +6545,9 @@
           <a:lstStyle/>
           <a:p>
             <a:r>
-              <a:rPr lang="en-US" smtClean="0"/>
+              <a:rPr lang="en-US"/>
               <a:t>Click to edit Master title style</a:t>
             </a:r>
-            <a:endParaRPr lang="en-US"/>
           </a:p>
         </p:txBody>
       </p:sp>
@@ -6157,7 +6647,7 @@
           <a:p>
             <a:fld id="{0459C166-16D3-4A25-A2F8-C51E0E346B22}" type="datetimeFigureOut">
               <a:rPr lang="en-US" smtClean="0"/>
-              <a:t>6/16/16</a:t>
+              <a:t>6/28/16</a:t>
             </a:fld>
             <a:endParaRPr lang="en-US"/>
           </a:p>
@@ -6580,11 +7070,11 @@
           <a:lstStyle/>
           <a:p>
             <a:r>
-              <a:rPr lang="en-US" sz="5400" dirty="0" smtClean="0"/>
+              <a:rPr lang="en-US" sz="5400" dirty="0"/>
               <a:t>Cross-Platform Mobile Application Development with </a:t>
             </a:r>
             <a:r>
-              <a:rPr lang="en-US" sz="5400" dirty="0" err="1" smtClean="0"/>
+              <a:rPr lang="en-US" sz="5400" dirty="0" err="1"/>
               <a:t>Xamarin</a:t>
             </a:r>
             <a:endParaRPr lang="en-US" sz="5400" dirty="0"/>
@@ -6609,24 +7099,23 @@
           <a:lstStyle/>
           <a:p>
             <a:r>
-              <a:rPr lang="en-US" dirty="0" smtClean="0"/>
+              <a:rPr lang="en-US" dirty="0"/>
               <a:t>Module 3, Lesson 5:</a:t>
             </a:r>
           </a:p>
           <a:p>
             <a:r>
-              <a:rPr lang="en-US" dirty="0" smtClean="0"/>
+              <a:rPr lang="en-US" dirty="0"/>
               <a:t>Developing Android Apps with </a:t>
             </a:r>
             <a:r>
-              <a:rPr lang="en-US" dirty="0" err="1" smtClean="0"/>
+              <a:rPr lang="en-US" dirty="0" err="1"/>
               <a:t>Xamarin</a:t>
             </a:r>
             <a:r>
-              <a:rPr lang="en-US" dirty="0" smtClean="0"/>
+              <a:rPr lang="en-US" dirty="0"/>
               <a:t> (Part 2)</a:t>
             </a:r>
-            <a:endParaRPr lang="en-US" dirty="0"/>
           </a:p>
         </p:txBody>
       </p:sp>
@@ -6640,13 +7129,6 @@
   <p:clrMapOvr>
     <a:masterClrMapping/>
   </p:clrMapOvr>
-  <p:timing>
-    <p:tnLst>
-      <p:par>
-        <p:cTn xmlns:p14="http://schemas.microsoft.com/office/powerpoint/2010/main" id="1" dur="indefinite" restart="never" nodeType="tmRoot"/>
-      </p:par>
-    </p:tnLst>
-  </p:timing>
 </p:sld>
 </file>
 
@@ -6999,13 +7481,6 @@
   <p:clrMapOvr>
     <a:masterClrMapping/>
   </p:clrMapOvr>
-  <p:timing>
-    <p:tnLst>
-      <p:par>
-        <p:cTn xmlns:p14="http://schemas.microsoft.com/office/powerpoint/2010/main" id="1" dur="indefinite" restart="never" nodeType="tmRoot"/>
-      </p:par>
-    </p:tnLst>
-  </p:timing>
 </p:sld>
 </file>
 
@@ -7244,13 +7719,6 @@
   <p:clrMapOvr>
     <a:masterClrMapping/>
   </p:clrMapOvr>
-  <p:timing>
-    <p:tnLst>
-      <p:par>
-        <p:cTn xmlns:p14="http://schemas.microsoft.com/office/powerpoint/2010/main" id="1" dur="indefinite" restart="never" nodeType="tmRoot"/>
-      </p:par>
-    </p:tnLst>
-  </p:timing>
 </p:sld>
 </file>
 
@@ -7373,13 +7841,6 @@
   <p:clrMapOvr>
     <a:masterClrMapping/>
   </p:clrMapOvr>
-  <p:timing>
-    <p:tnLst>
-      <p:par>
-        <p:cTn xmlns:p14="http://schemas.microsoft.com/office/powerpoint/2010/main" id="1" dur="indefinite" restart="never" nodeType="tmRoot"/>
-      </p:par>
-    </p:tnLst>
-  </p:timing>
 </p:sld>
 </file>
 
@@ -7502,13 +7963,6 @@
   <p:clrMapOvr>
     <a:masterClrMapping/>
   </p:clrMapOvr>
-  <p:timing>
-    <p:tnLst>
-      <p:par>
-        <p:cTn xmlns:p14="http://schemas.microsoft.com/office/powerpoint/2010/main" id="1" dur="indefinite" restart="never" nodeType="tmRoot"/>
-      </p:par>
-    </p:tnLst>
-  </p:timing>
 </p:sld>
 </file>
 
@@ -7965,13 +8419,6 @@
   <p:clrMapOvr>
     <a:masterClrMapping/>
   </p:clrMapOvr>
-  <p:timing>
-    <p:tnLst>
-      <p:par>
-        <p:cTn xmlns:p14="http://schemas.microsoft.com/office/powerpoint/2010/main" id="1" dur="indefinite" restart="never" nodeType="tmRoot"/>
-      </p:par>
-    </p:tnLst>
-  </p:timing>
 </p:sld>
 </file>
 
@@ -8294,13 +8741,6 @@
   <p:clrMapOvr>
     <a:masterClrMapping/>
   </p:clrMapOvr>
-  <p:timing>
-    <p:tnLst>
-      <p:par>
-        <p:cTn xmlns:p14="http://schemas.microsoft.com/office/powerpoint/2010/main" id="1" dur="indefinite" restart="never" nodeType="tmRoot"/>
-      </p:par>
-    </p:tnLst>
-  </p:timing>
 </p:sld>
 </file>
 
@@ -8376,12 +8816,8 @@
               <a:buNone/>
             </a:pPr>
             <a:r>
-              <a:rPr lang="en-US" sz="1600" dirty="0" smtClean="0"/>
-              <a:t>protected </a:t>
-            </a:r>
-            <a:r>
               <a:rPr lang="en-US" sz="1600" dirty="0"/>
-              <a:t>override void </a:t>
+              <a:t>protected override void </a:t>
             </a:r>
             <a:r>
               <a:rPr lang="en-US" sz="1600" dirty="0" err="1"/>
@@ -8405,13 +8841,8 @@
             </a:r>
             <a:r>
               <a:rPr lang="en-US" sz="1600" dirty="0"/>
-              <a:t> position, long id</a:t>
-            </a:r>
-            <a:r>
-              <a:rPr lang="en-US" sz="1600" dirty="0" smtClean="0"/>
-              <a:t>){</a:t>
-            </a:r>
-            <a:endParaRPr lang="en-US" sz="1600" dirty="0"/>
+              <a:t> position, long id){</a:t>
+            </a:r>
           </a:p>
           <a:p>
             <a:pPr marL="0" indent="0">
@@ -8419,11 +8850,7 @@
             </a:pPr>
             <a:r>
               <a:rPr lang="en-US" sz="1600" dirty="0"/>
-              <a:t> </a:t>
-            </a:r>
-            <a:r>
-              <a:rPr lang="en-US" sz="1600" dirty="0" smtClean="0"/>
-              <a:t>   String </a:t>
+              <a:t>    String </a:t>
             </a:r>
             <a:r>
               <a:rPr lang="en-US" sz="1600" dirty="0" err="1"/>
@@ -8451,7 +8878,7 @@
               <a:t>    </a:t>
             </a:r>
             <a:r>
-              <a:rPr lang="en-US" sz="1600" dirty="0" err="1" smtClean="0"/>
+              <a:rPr lang="en-US" sz="1600" dirty="0" err="1"/>
               <a:t>Android.Widget.Toast.MakeText</a:t>
             </a:r>
             <a:r>
@@ -8463,20 +8890,16 @@
               <a:t>SelectedItem</a:t>
             </a:r>
             <a:r>
-              <a:rPr lang="en-US" sz="1600" dirty="0" smtClean="0"/>
+              <a:rPr lang="en-US" sz="1600" dirty="0"/>
               <a:t>,      	</a:t>
             </a:r>
             <a:r>
-              <a:rPr lang="en-US" sz="1600" dirty="0" err="1" smtClean="0"/>
+              <a:rPr lang="en-US" sz="1600" dirty="0" err="1"/>
               <a:t>Android.Widget.ToastLength.Short</a:t>
             </a:r>
             <a:r>
               <a:rPr lang="en-US" sz="1600" dirty="0"/>
-              <a:t>).Show()</a:t>
-            </a:r>
-            <a:r>
-              <a:rPr lang="en-US" sz="1600" dirty="0" smtClean="0"/>
-              <a:t>;</a:t>
+              <a:t>).Show();</a:t>
             </a:r>
           </a:p>
           <a:p>
@@ -8484,10 +8907,9 @@
               <a:buNone/>
             </a:pPr>
             <a:r>
-              <a:rPr lang="en-US" sz="1600" dirty="0" smtClean="0"/>
+              <a:rPr lang="en-US" sz="1600" dirty="0"/>
               <a:t>}</a:t>
             </a:r>
-            <a:endParaRPr lang="en-US" sz="1600" dirty="0"/>
           </a:p>
         </p:txBody>
       </p:sp>
@@ -8501,13 +8923,6 @@
   <p:clrMapOvr>
     <a:masterClrMapping/>
   </p:clrMapOvr>
-  <p:timing>
-    <p:tnLst>
-      <p:par>
-        <p:cTn xmlns:p14="http://schemas.microsoft.com/office/powerpoint/2010/main" id="1" dur="indefinite" restart="never" nodeType="tmRoot"/>
-      </p:par>
-    </p:tnLst>
-  </p:timing>
 </p:sld>
 </file>
 
@@ -8575,12 +8990,8 @@
               <a:buNone/>
             </a:pPr>
             <a:r>
-              <a:rPr lang="en-US" sz="1600" dirty="0" smtClean="0"/>
-              <a:t>public </a:t>
-            </a:r>
-            <a:r>
               <a:rPr lang="en-US" sz="1600" dirty="0"/>
-              <a:t>override View </a:t>
+              <a:t>public override View </a:t>
             </a:r>
             <a:r>
               <a:rPr lang="en-US" sz="1600" dirty="0" err="1"/>
@@ -8604,25 +9015,16 @@
             </a:r>
             <a:r>
               <a:rPr lang="en-US" sz="1600" dirty="0"/>
-              <a:t>, ViewGroup parent</a:t>
-            </a:r>
-            <a:r>
-              <a:rPr lang="en-US" sz="1600" dirty="0" smtClean="0"/>
-              <a:t>){</a:t>
-            </a:r>
-            <a:endParaRPr lang="en-US" sz="1600" dirty="0"/>
+              <a:t>, ViewGroup parent){</a:t>
+            </a:r>
           </a:p>
           <a:p>
             <a:pPr marL="0" indent="0">
               <a:buNone/>
             </a:pPr>
             <a:r>
-              <a:rPr lang="en-US" sz="1600" b="1" dirty="0" smtClean="0"/>
-              <a:t>    view </a:t>
-            </a:r>
-            <a:r>
               <a:rPr lang="en-US" sz="1600" b="1" dirty="0"/>
-              <a:t>view = </a:t>
+              <a:t>    	view view = </a:t>
             </a:r>
             <a:r>
               <a:rPr lang="en-US" sz="1600" b="1" dirty="0" err="1"/>
@@ -8638,12 +9040,8 @@
               <a:buNone/>
             </a:pPr>
             <a:r>
-              <a:rPr lang="en-US" sz="1600" b="1" dirty="0" smtClean="0"/>
-              <a:t>    </a:t>
-            </a:r>
-            <a:r>
               <a:rPr lang="en-US" sz="1600" b="1" dirty="0"/>
-              <a:t>if (view == null) </a:t>
+              <a:t>    	if (view == null) </a:t>
             </a:r>
           </a:p>
           <a:p>
@@ -8651,28 +9049,16 @@
               <a:buNone/>
             </a:pPr>
             <a:r>
-              <a:rPr lang="en-US" sz="1600" b="1" dirty="0" smtClean="0"/>
+              <a:rPr lang="en-US" sz="1600" b="1" dirty="0"/>
               <a:t>        view = </a:t>
             </a:r>
             <a:r>
-              <a:rPr lang="en-US" sz="1600" b="1" dirty="0" err="1" smtClean="0"/>
+              <a:rPr lang="en-US" sz="1600" b="1" dirty="0" err="1"/>
               <a:t>context.LayoutInflater.Inflate</a:t>
             </a:r>
             <a:r>
-              <a:rPr lang="en-US" sz="1600" b="1" dirty="0" smtClean="0"/>
-              <a:t>( Android.Resource.Layout.SimpleListItem1</a:t>
-            </a:r>
-            <a:r>
               <a:rPr lang="en-US" sz="1600" b="1" dirty="0"/>
-              <a:t>, </a:t>
-            </a:r>
-            <a:r>
-              <a:rPr lang="en-US" sz="1600" b="1" dirty="0" smtClean="0"/>
-              <a:t>null)</a:t>
-            </a:r>
-            <a:r>
-              <a:rPr lang="en-US" sz="1600" b="1" dirty="0"/>
-              <a:t>;</a:t>
+              <a:t>( Android.Resource.Layout.SimpleListItem1, null);</a:t>
             </a:r>
           </a:p>
           <a:p>
@@ -8684,7 +9070,7 @@
               <a:t>        </a:t>
             </a:r>
             <a:r>
-              <a:rPr lang="en-US" sz="1600" dirty="0" err="1" smtClean="0"/>
+              <a:rPr lang="en-US" sz="1600" dirty="0" err="1"/>
               <a:t>view.FindViewById</a:t>
             </a:r>
             <a:r>
@@ -8714,24 +9100,16 @@
             </a:pPr>
             <a:r>
               <a:rPr lang="en-US" sz="1600" dirty="0"/>
-              <a:t>        </a:t>
-            </a:r>
-            <a:r>
-              <a:rPr lang="en-US" sz="1600" dirty="0" smtClean="0"/>
-              <a:t>return </a:t>
-            </a:r>
+              <a:t>        return view;</a:t>
+            </a:r>
+          </a:p>
+          <a:p>
+            <a:pPr marL="0" indent="0">
+              <a:buNone/>
+            </a:pPr>
             <a:r>
               <a:rPr lang="en-US" sz="1600" dirty="0"/>
-              <a:t>view;</a:t>
-            </a:r>
-          </a:p>
-          <a:p>
-            <a:pPr marL="0" indent="0">
-              <a:buNone/>
-            </a:pPr>
-            <a:r>
-              <a:rPr lang="en-US" sz="1600" dirty="0"/>
-              <a:t>        }</a:t>
+              <a:t>}</a:t>
             </a:r>
           </a:p>
           <a:p>
@@ -8752,13 +9130,6 @@
   <p:clrMapOvr>
     <a:masterClrMapping/>
   </p:clrMapOvr>
-  <p:timing>
-    <p:tnLst>
-      <p:par>
-        <p:cTn xmlns:p14="http://schemas.microsoft.com/office/powerpoint/2010/main" id="1" dur="indefinite" restart="never" nodeType="tmRoot"/>
-      </p:par>
-    </p:tnLst>
-  </p:timing>
 </p:sld>
 </file>
 
@@ -8800,7 +9171,7 @@
                   <a:srgbClr val="000000"/>
                 </a:solidFill>
               </a:rPr>
-              <a:t>Managing State: Bundle</a:t>
+              <a:t>Starting Activities: Intent</a:t>
             </a:r>
           </a:p>
         </p:txBody>
@@ -8825,62 +9196,109 @@
           <a:bodyPr/>
           <a:lstStyle/>
           <a:p>
+            <a:pPr marL="0" indent="0">
+              <a:buNone/>
+            </a:pPr>
             <a:r>
               <a:rPr lang="en-US" dirty="0"/>
-              <a:t>Similar to Session variables that are Activity-specific</a:t>
-            </a:r>
-          </a:p>
-          <a:p>
-            <a:r>
+              <a:t>	</a:t>
+            </a:r>
+            <a:br>
               <a:rPr lang="en-US" dirty="0"/>
-              <a:t>Accessible in the </a:t>
+            </a:br>
+            <a:r>
+              <a:rPr lang="en-US" dirty="0"/>
+              <a:t>	Intent </a:t>
             </a:r>
             <a:r>
               <a:rPr lang="en-US" dirty="0" err="1"/>
-              <a:t>OnCreate</a:t>
+              <a:t>intent</a:t>
             </a:r>
             <a:r>
               <a:rPr lang="en-US" dirty="0"/>
-              <a:t> event </a:t>
-            </a:r>
-          </a:p>
-          <a:p>
+              <a:t> = new Intent(this, </a:t>
+            </a:r>
+            <a:r>
+              <a:rPr lang="en-US" dirty="0" err="1"/>
+              <a:t>typeof</a:t>
+            </a:r>
             <a:r>
               <a:rPr lang="en-US" dirty="0"/>
-              <a:t>Destroyed in the </a:t>
+              <a:t>(</a:t>
             </a:r>
             <a:r>
               <a:rPr lang="en-US" dirty="0" err="1"/>
-              <a:t>OnDestroy</a:t>
+              <a:t>IntentToActivity</a:t>
             </a:r>
             <a:r>
               <a:rPr lang="en-US" dirty="0"/>
-              <a:t> event</a:t>
-            </a:r>
-          </a:p>
-          <a:p>
+              <a:t>));</a:t>
+            </a:r>
+          </a:p>
+          <a:p>
+            <a:pPr marL="0" indent="0">
+              <a:buNone/>
+            </a:pPr>
             <a:r>
               <a:rPr lang="en-US" dirty="0"/>
-              <a:t>Can be saved in </a:t>
+              <a:t>	</a:t>
             </a:r>
             <a:r>
               <a:rPr lang="en-US" dirty="0" err="1"/>
-              <a:t>OnSaveInstanceState</a:t>
+              <a:t>StartActivity</a:t>
             </a:r>
             <a:r>
               <a:rPr lang="en-US" dirty="0"/>
-              <a:t> </a:t>
-            </a:r>
-            <a:r>
-              <a:rPr lang="en-US" dirty="0" smtClean="0"/>
-              <a:t>event</a:t>
-            </a:r>
+              <a:t> (intent);</a:t>
+            </a:r>
+          </a:p>
+          <a:p>
+            <a:pPr marL="0" indent="0">
+              <a:buNone/>
+            </a:pPr>
             <a:endParaRPr lang="en-US" dirty="0"/>
           </a:p>
           <a:p>
             <a:r>
               <a:rPr lang="en-US" dirty="0"/>
-              <a:t>Most common use is in the Intent</a:t>
+              <a:t>Abbreviate to this:</a:t>
+            </a:r>
+            <a:br>
+              <a:rPr lang="en-US" dirty="0"/>
+            </a:br>
+            <a:endParaRPr lang="en-US" dirty="0"/>
+          </a:p>
+          <a:p>
+            <a:pPr marL="0" indent="0">
+              <a:buNone/>
+            </a:pPr>
+            <a:r>
+              <a:rPr lang="en-US" dirty="0"/>
+              <a:t>	</a:t>
+            </a:r>
+            <a:r>
+              <a:rPr lang="en-US" dirty="0" err="1"/>
+              <a:t>StartActivity</a:t>
+            </a:r>
+            <a:r>
+              <a:rPr lang="en-US" dirty="0"/>
+              <a:t>(</a:t>
+            </a:r>
+            <a:r>
+              <a:rPr lang="en-US" dirty="0" err="1"/>
+              <a:t>typeof</a:t>
+            </a:r>
+            <a:r>
+              <a:rPr lang="en-US" dirty="0"/>
+              <a:t>(</a:t>
+            </a:r>
+            <a:r>
+              <a:rPr lang="en-US" dirty="0" err="1"/>
+              <a:t>IntentToActivity</a:t>
+            </a:r>
+            <a:r>
+              <a:rPr lang="en-US" dirty="0"/>
+              <a:t>));</a:t>
             </a:r>
           </a:p>
         </p:txBody>
@@ -9131,7 +9549,7 @@
             <a:pPr algn="l"/>
             <a:r>
               <a:rPr lang="en-US" i="0" dirty="0"/>
-              <a:t>Transfer data between Activities inside a Bundle</a:t>
+              <a:t>Start New Activities Using Intents</a:t>
             </a:r>
           </a:p>
         </p:txBody>
@@ -9146,13 +9564,6 @@
   <p:clrMapOvr>
     <a:masterClrMapping/>
   </p:clrMapOvr>
-  <p:timing>
-    <p:tnLst>
-      <p:par>
-        <p:cTn xmlns:p14="http://schemas.microsoft.com/office/powerpoint/2010/main" id="1" dur="indefinite" restart="never" nodeType="tmRoot"/>
-      </p:par>
-    </p:tnLst>
-  </p:timing>
 </p:sld>
 </file>
 
@@ -9189,101 +9600,338 @@
           <a:lstStyle/>
           <a:p>
             <a:r>
+              <a:rPr lang="en-US" dirty="0">
+                <a:solidFill>
+                  <a:srgbClr val="000000"/>
+                </a:solidFill>
+              </a:rPr>
+              <a:t>Managing State: Bundle</a:t>
+            </a:r>
+          </a:p>
+        </p:txBody>
+      </p:sp>
+      <p:sp>
+        <p:nvSpPr>
+          <p:cNvPr id="3" name="Content Placeholder 2"/>
+          <p:cNvSpPr>
+            <a:spLocks noGrp="1"/>
+          </p:cNvSpPr>
+          <p:nvPr>
+            <p:ph idx="1"/>
+          </p:nvPr>
+        </p:nvSpPr>
+        <p:spPr>
+          <a:xfrm>
+            <a:off x="838200" y="2503055"/>
+            <a:ext cx="10515600" cy="3673908"/>
+          </a:xfrm>
+        </p:spPr>
+        <p:txBody>
+          <a:bodyPr/>
+          <a:lstStyle/>
+          <a:p>
+            <a:r>
               <a:rPr lang="en-US" dirty="0"/>
-              <a:t>Packing Intents</a:t>
-            </a:r>
-          </a:p>
-        </p:txBody>
-      </p:sp>
-      <p:sp>
-        <p:nvSpPr>
-          <p:cNvPr id="3" name="Content Placeholder 2"/>
-          <p:cNvSpPr>
-            <a:spLocks noGrp="1"/>
-          </p:cNvSpPr>
-          <p:nvPr>
-            <p:ph idx="1"/>
-          </p:nvPr>
-        </p:nvSpPr>
-        <p:spPr/>
-        <p:txBody>
-          <a:bodyPr>
-            <a:normAutofit/>
-          </a:bodyPr>
+              <a:t>Similar to Session variables that are Activity-specific</a:t>
+            </a:r>
+          </a:p>
+          <a:p>
+            <a:r>
+              <a:rPr lang="en-US" dirty="0"/>
+              <a:t>Accessible in the </a:t>
+            </a:r>
+            <a:r>
+              <a:rPr lang="en-US" dirty="0" err="1"/>
+              <a:t>OnCreate</a:t>
+            </a:r>
+            <a:r>
+              <a:rPr lang="en-US" dirty="0"/>
+              <a:t> event </a:t>
+            </a:r>
+          </a:p>
+          <a:p>
+            <a:r>
+              <a:rPr lang="en-US" dirty="0"/>
+              <a:t>Destroyed in the </a:t>
+            </a:r>
+            <a:r>
+              <a:rPr lang="en-US" dirty="0" err="1"/>
+              <a:t>OnDestroy</a:t>
+            </a:r>
+            <a:r>
+              <a:rPr lang="en-US" dirty="0"/>
+              <a:t> event</a:t>
+            </a:r>
+          </a:p>
+          <a:p>
+            <a:r>
+              <a:rPr lang="en-US" dirty="0"/>
+              <a:t>Can be saved in </a:t>
+            </a:r>
+            <a:r>
+              <a:rPr lang="en-US" dirty="0" err="1"/>
+              <a:t>OnSaveInstanceState</a:t>
+            </a:r>
+            <a:r>
+              <a:rPr lang="en-US" dirty="0"/>
+              <a:t> event</a:t>
+            </a:r>
+          </a:p>
+          <a:p>
+            <a:r>
+              <a:rPr lang="en-US" dirty="0"/>
+              <a:t>Most common use is in the Intent</a:t>
+            </a:r>
+          </a:p>
+        </p:txBody>
+      </p:sp>
+      <p:sp>
+        <p:nvSpPr>
+          <p:cNvPr id="4" name="Rectangle 3"/>
+          <p:cNvSpPr/>
+          <p:nvPr/>
+        </p:nvSpPr>
+        <p:spPr>
+          <a:xfrm>
+            <a:off x="0" y="1559561"/>
+            <a:ext cx="12160222" cy="791753"/>
+          </a:xfrm>
+          <a:prstGeom prst="rect">
+            <a:avLst/>
+          </a:prstGeom>
+          <a:solidFill>
+            <a:srgbClr val="0070C0"/>
+          </a:solidFill>
+          <a:ln w="9525" cap="flat" cmpd="sng" algn="ctr">
+            <a:noFill/>
+            <a:prstDash val="solid"/>
+          </a:ln>
+          <a:effectLst/>
+        </p:spPr>
+        <p:txBody>
+          <a:bodyPr rtlCol="0" anchor="ctr"/>
           <a:lstStyle/>
           <a:p>
-            <a:pPr marL="0" indent="0">
-              <a:buNone/>
-            </a:pPr>
-            <a:r>
-              <a:rPr lang="en-US" dirty="0"/>
-              <a:t> Intent </a:t>
-            </a:r>
-            <a:r>
-              <a:rPr lang="en-US" dirty="0" err="1"/>
-              <a:t>intent</a:t>
-            </a:r>
-            <a:r>
-              <a:rPr lang="en-US" dirty="0"/>
-              <a:t> = new Intent(this, </a:t>
-            </a:r>
-            <a:r>
-              <a:rPr lang="en-US" dirty="0" err="1"/>
-              <a:t>typeof</a:t>
-            </a:r>
-            <a:r>
-              <a:rPr lang="en-US" dirty="0"/>
-              <a:t>(</a:t>
-            </a:r>
-            <a:r>
-              <a:rPr lang="en-US" dirty="0" err="1"/>
-              <a:t>SecondActivity</a:t>
-            </a:r>
-            <a:r>
-              <a:rPr lang="en-US" dirty="0"/>
-              <a:t>));</a:t>
-            </a:r>
-          </a:p>
-          <a:p>
-            <a:pPr marL="0" indent="0">
-              <a:buNone/>
-            </a:pPr>
-            <a:r>
-              <a:rPr lang="en-US" dirty="0"/>
-              <a:t> </a:t>
-            </a:r>
-            <a:r>
-              <a:rPr lang="en-US" dirty="0" err="1"/>
-              <a:t>intent.PutExtra</a:t>
-            </a:r>
-            <a:r>
-              <a:rPr lang="en-US" dirty="0"/>
-              <a:t>("</a:t>
-            </a:r>
-            <a:r>
-              <a:rPr lang="en-US" dirty="0" err="1"/>
-              <a:t>click_count</a:t>
-            </a:r>
-            <a:r>
-              <a:rPr lang="en-US" dirty="0"/>
-              <a:t>", count);  </a:t>
-            </a:r>
-          </a:p>
-          <a:p>
-            <a:pPr marL="0" indent="0">
-              <a:buNone/>
-            </a:pPr>
-            <a:r>
-              <a:rPr lang="en-US" dirty="0"/>
-              <a:t> </a:t>
-            </a:r>
-            <a:r>
-              <a:rPr lang="en-US" dirty="0" err="1"/>
-              <a:t>StartActivity</a:t>
-            </a:r>
-            <a:r>
-              <a:rPr lang="en-US" dirty="0"/>
-              <a:t>(intent);</a:t>
+            <a:pPr marL="0" marR="0" lvl="0" indent="0" algn="ctr" defTabSz="914400" eaLnBrk="1" fontAlgn="auto" latinLnBrk="0" hangingPunct="1">
+              <a:lnSpc>
+                <a:spcPct val="100000"/>
+              </a:lnSpc>
+              <a:spcBef>
+                <a:spcPts val="0"/>
+              </a:spcBef>
+              <a:spcAft>
+                <a:spcPts val="0"/>
+              </a:spcAft>
+              <a:buClrTx/>
+              <a:buSzTx/>
+              <a:buFont typeface="Arial" panose="020B0604020202020204" pitchFamily="34" charset="0"/>
+              <a:buNone/>
+              <a:tabLst/>
+              <a:defRPr/>
+            </a:pPr>
+            <a:endParaRPr kumimoji="0" lang="en-US" sz="4000" i="1" u="none" strike="noStrike" kern="0" cap="none" spc="0" normalizeH="0" baseline="0" noProof="0" dirty="0">
+              <a:ln>
+                <a:noFill/>
+              </a:ln>
+              <a:solidFill>
+                <a:prstClr val="white"/>
+              </a:solidFill>
+              <a:effectLst/>
+              <a:uLnTx/>
+              <a:uFillTx/>
+              <a:latin typeface="+mj-lt"/>
+            </a:endParaRPr>
+          </a:p>
+        </p:txBody>
+      </p:sp>
+      <p:sp>
+        <p:nvSpPr>
+          <p:cNvPr id="5" name="Content Placeholder 2"/>
+          <p:cNvSpPr txBox="1">
+            <a:spLocks/>
+          </p:cNvSpPr>
+          <p:nvPr/>
+        </p:nvSpPr>
+        <p:spPr>
+          <a:xfrm>
+            <a:off x="831573" y="1559560"/>
+            <a:ext cx="11771336" cy="791753"/>
+          </a:xfrm>
+          <a:prstGeom prst="rect">
+            <a:avLst/>
+          </a:prstGeom>
+        </p:spPr>
+        <p:txBody>
+          <a:bodyPr anchor="ctr"/>
+          <a:lstStyle>
+            <a:lvl1pPr marL="0" indent="0" algn="ctr" defTabSz="914400" rtl="0" eaLnBrk="1" latinLnBrk="0" hangingPunct="1">
+              <a:lnSpc>
+                <a:spcPct val="90000"/>
+              </a:lnSpc>
+              <a:spcBef>
+                <a:spcPts val="1000"/>
+              </a:spcBef>
+              <a:buFont typeface="Arial" panose="020B0604020202020204" pitchFamily="34" charset="0"/>
+              <a:buNone/>
+              <a:defRPr sz="2800" i="1" kern="1200">
+                <a:solidFill>
+                  <a:schemeClr val="bg1"/>
+                </a:solidFill>
+                <a:latin typeface="+mn-lt"/>
+                <a:ea typeface="+mn-ea"/>
+                <a:cs typeface="+mn-cs"/>
+              </a:defRPr>
+            </a:lvl1pPr>
+            <a:lvl2pPr marL="457200" indent="0" algn="ctr" defTabSz="914400" rtl="0" eaLnBrk="1" latinLnBrk="0" hangingPunct="1">
+              <a:lnSpc>
+                <a:spcPct val="90000"/>
+              </a:lnSpc>
+              <a:spcBef>
+                <a:spcPts val="500"/>
+              </a:spcBef>
+              <a:buFont typeface="Arial" panose="020B0604020202020204" pitchFamily="34" charset="0"/>
+              <a:buNone/>
+              <a:defRPr sz="2400" i="1" kern="1200">
+                <a:solidFill>
+                  <a:schemeClr val="bg1"/>
+                </a:solidFill>
+                <a:latin typeface="+mn-lt"/>
+                <a:ea typeface="+mn-ea"/>
+                <a:cs typeface="+mn-cs"/>
+              </a:defRPr>
+            </a:lvl2pPr>
+            <a:lvl3pPr marL="914400" indent="0" algn="ctr" defTabSz="914400" rtl="0" eaLnBrk="1" latinLnBrk="0" hangingPunct="1">
+              <a:lnSpc>
+                <a:spcPct val="90000"/>
+              </a:lnSpc>
+              <a:spcBef>
+                <a:spcPts val="500"/>
+              </a:spcBef>
+              <a:buFont typeface="Arial" panose="020B0604020202020204" pitchFamily="34" charset="0"/>
+              <a:buNone/>
+              <a:defRPr sz="2000" i="1" kern="1200">
+                <a:solidFill>
+                  <a:schemeClr val="bg1"/>
+                </a:solidFill>
+                <a:latin typeface="+mn-lt"/>
+                <a:ea typeface="+mn-ea"/>
+                <a:cs typeface="+mn-cs"/>
+              </a:defRPr>
+            </a:lvl3pPr>
+            <a:lvl4pPr marL="1371600" indent="0" algn="ctr" defTabSz="914400" rtl="0" eaLnBrk="1" latinLnBrk="0" hangingPunct="1">
+              <a:lnSpc>
+                <a:spcPct val="90000"/>
+              </a:lnSpc>
+              <a:spcBef>
+                <a:spcPts val="500"/>
+              </a:spcBef>
+              <a:buFont typeface="Arial" panose="020B0604020202020204" pitchFamily="34" charset="0"/>
+              <a:buNone/>
+              <a:defRPr sz="1800" i="1" kern="1200">
+                <a:solidFill>
+                  <a:schemeClr val="bg1"/>
+                </a:solidFill>
+                <a:latin typeface="+mn-lt"/>
+                <a:ea typeface="+mn-ea"/>
+                <a:cs typeface="+mn-cs"/>
+              </a:defRPr>
+            </a:lvl4pPr>
+            <a:lvl5pPr marL="1828800" indent="0" algn="ctr" defTabSz="914400" rtl="0" eaLnBrk="1" latinLnBrk="0" hangingPunct="1">
+              <a:lnSpc>
+                <a:spcPct val="90000"/>
+              </a:lnSpc>
+              <a:spcBef>
+                <a:spcPts val="500"/>
+              </a:spcBef>
+              <a:buFont typeface="Arial" panose="020B0604020202020204" pitchFamily="34" charset="0"/>
+              <a:buNone/>
+              <a:defRPr sz="1800" i="1" kern="1200">
+                <a:solidFill>
+                  <a:schemeClr val="bg1"/>
+                </a:solidFill>
+                <a:latin typeface="+mn-lt"/>
+                <a:ea typeface="+mn-ea"/>
+                <a:cs typeface="+mn-cs"/>
+              </a:defRPr>
+            </a:lvl5pPr>
+            <a:lvl6pPr marL="2514600" indent="-228600" algn="l" defTabSz="914400" rtl="0" eaLnBrk="1" latinLnBrk="0" hangingPunct="1">
+              <a:lnSpc>
+                <a:spcPct val="90000"/>
+              </a:lnSpc>
+              <a:spcBef>
+                <a:spcPts val="500"/>
+              </a:spcBef>
+              <a:buFont typeface="Arial" panose="020B0604020202020204" pitchFamily="34" charset="0"/>
+              <a:buChar char="•"/>
+              <a:defRPr sz="1800" kern="1200">
+                <a:solidFill>
+                  <a:schemeClr val="tx1"/>
+                </a:solidFill>
+                <a:latin typeface="+mn-lt"/>
+                <a:ea typeface="+mn-ea"/>
+                <a:cs typeface="+mn-cs"/>
+              </a:defRPr>
+            </a:lvl6pPr>
+            <a:lvl7pPr marL="2971800" indent="-228600" algn="l" defTabSz="914400" rtl="0" eaLnBrk="1" latinLnBrk="0" hangingPunct="1">
+              <a:lnSpc>
+                <a:spcPct val="90000"/>
+              </a:lnSpc>
+              <a:spcBef>
+                <a:spcPts val="500"/>
+              </a:spcBef>
+              <a:buFont typeface="Arial" panose="020B0604020202020204" pitchFamily="34" charset="0"/>
+              <a:buChar char="•"/>
+              <a:defRPr sz="1800" kern="1200">
+                <a:solidFill>
+                  <a:schemeClr val="tx1"/>
+                </a:solidFill>
+                <a:latin typeface="+mn-lt"/>
+                <a:ea typeface="+mn-ea"/>
+                <a:cs typeface="+mn-cs"/>
+              </a:defRPr>
+            </a:lvl7pPr>
+            <a:lvl8pPr marL="3429000" indent="-228600" algn="l" defTabSz="914400" rtl="0" eaLnBrk="1" latinLnBrk="0" hangingPunct="1">
+              <a:lnSpc>
+                <a:spcPct val="90000"/>
+              </a:lnSpc>
+              <a:spcBef>
+                <a:spcPts val="500"/>
+              </a:spcBef>
+              <a:buFont typeface="Arial" panose="020B0604020202020204" pitchFamily="34" charset="0"/>
+              <a:buChar char="•"/>
+              <a:defRPr sz="1800" kern="1200">
+                <a:solidFill>
+                  <a:schemeClr val="tx1"/>
+                </a:solidFill>
+                <a:latin typeface="+mn-lt"/>
+                <a:ea typeface="+mn-ea"/>
+                <a:cs typeface="+mn-cs"/>
+              </a:defRPr>
+            </a:lvl8pPr>
+            <a:lvl9pPr marL="3886200" indent="-228600" algn="l" defTabSz="914400" rtl="0" eaLnBrk="1" latinLnBrk="0" hangingPunct="1">
+              <a:lnSpc>
+                <a:spcPct val="90000"/>
+              </a:lnSpc>
+              <a:spcBef>
+                <a:spcPts val="500"/>
+              </a:spcBef>
+              <a:buFont typeface="Arial" panose="020B0604020202020204" pitchFamily="34" charset="0"/>
+              <a:buChar char="•"/>
+              <a:defRPr sz="1800" kern="1200">
+                <a:solidFill>
+                  <a:schemeClr val="tx1"/>
+                </a:solidFill>
+                <a:latin typeface="+mn-lt"/>
+                <a:ea typeface="+mn-ea"/>
+                <a:cs typeface="+mn-cs"/>
+              </a:defRPr>
+            </a:lvl9pPr>
+          </a:lstStyle>
+          <a:p>
+            <a:pPr algn="l"/>
+            <a:r>
+              <a:rPr lang="en-US" i="0" dirty="0"/>
+              <a:t>Transfer data between Activities inside a Bundle</a:t>
             </a:r>
           </a:p>
         </p:txBody>
@@ -9291,20 +9939,13 @@
     </p:spTree>
     <p:extLst>
       <p:ext uri="{BB962C8B-B14F-4D97-AF65-F5344CB8AC3E}">
-        <p14:creationId xmlns:p14="http://schemas.microsoft.com/office/powerpoint/2010/main" val="1583963616"/>
+        <p14:creationId xmlns:p14="http://schemas.microsoft.com/office/powerpoint/2010/main" val="2306109421"/>
       </p:ext>
     </p:extLst>
   </p:cSld>
   <p:clrMapOvr>
     <a:masterClrMapping/>
   </p:clrMapOvr>
-  <p:timing>
-    <p:tnLst>
-      <p:par>
-        <p:cTn xmlns:p14="http://schemas.microsoft.com/office/powerpoint/2010/main" id="1" dur="indefinite" restart="never" nodeType="tmRoot"/>
-      </p:par>
-    </p:tnLst>
-  </p:timing>
 </p:sld>
 </file>
 
@@ -9341,10 +9982,9 @@
           <a:lstStyle/>
           <a:p>
             <a:r>
-              <a:rPr lang="en-US" dirty="0" smtClean="0"/>
+              <a:rPr lang="en-US" dirty="0"/>
               <a:t>Topics</a:t>
             </a:r>
-            <a:endParaRPr lang="en-US" dirty="0"/>
           </a:p>
         </p:txBody>
       </p:sp>
@@ -9409,12 +10049,8 @@
           </a:p>
           <a:p>
             <a:r>
-              <a:rPr lang="en-US" dirty="0" smtClean="0"/>
-              <a:t>Android </a:t>
-            </a:r>
-            <a:r>
               <a:rPr lang="en-US" dirty="0"/>
-              <a:t>user interfaces</a:t>
+              <a:t>Android user interfaces</a:t>
             </a:r>
           </a:p>
         </p:txBody>
@@ -9429,13 +10065,6 @@
   <p:clrMapOvr>
     <a:masterClrMapping/>
   </p:clrMapOvr>
-  <p:timing>
-    <p:tnLst>
-      <p:par>
-        <p:cTn xmlns:p14="http://schemas.microsoft.com/office/powerpoint/2010/main" id="1" dur="indefinite" restart="never" nodeType="tmRoot"/>
-      </p:par>
-    </p:tnLst>
-  </p:timing>
 </p:sld>
 </file>
 
@@ -9472,12 +10101,8 @@
           <a:lstStyle/>
           <a:p>
             <a:r>
-              <a:rPr lang="en-US" dirty="0">
-                <a:solidFill>
-                  <a:srgbClr val="FFFFFF"/>
-                </a:solidFill>
-              </a:rPr>
-              <a:t>Unpacking Intents</a:t>
+              <a:rPr lang="en-US" dirty="0"/>
+              <a:t>Packing Intents</a:t>
             </a:r>
           </a:p>
         </p:txBody>
@@ -9503,41 +10128,58 @@
               <a:buNone/>
             </a:pPr>
             <a:r>
+              <a:rPr lang="en-US" dirty="0"/>
+              <a:t> Intent </a:t>
+            </a:r>
+            <a:r>
               <a:rPr lang="en-US" dirty="0" err="1"/>
-              <a:t>CounterText.Text</a:t>
+              <a:t>intent</a:t>
             </a:r>
             <a:r>
               <a:rPr lang="en-US" dirty="0"/>
-              <a:t> = </a:t>
+              <a:t> = new Intent(this, </a:t>
             </a:r>
             <a:r>
               <a:rPr lang="en-US" dirty="0" err="1"/>
-              <a:t>Intent.GetIntExtra</a:t>
+              <a:t>typeof</a:t>
             </a:r>
             <a:r>
               <a:rPr lang="en-US" dirty="0"/>
-              <a:t>(“m</a:t>
-            </a:r>
-            <a:r>
-              <a:rPr lang="sv-SE" dirty="0"/>
-              <a:t>yKey</a:t>
+              <a:t>(</a:t>
+            </a:r>
+            <a:r>
+              <a:rPr lang="en-US" dirty="0" err="1"/>
+              <a:t>SecondActivity</a:t>
             </a:r>
             <a:r>
               <a:rPr lang="en-US" dirty="0"/>
-              <a:t>", 0).</a:t>
+              <a:t>));</a:t>
+            </a:r>
+          </a:p>
+          <a:p>
+            <a:pPr marL="0" indent="0">
+              <a:buNone/>
+            </a:pPr>
+            <a:r>
+              <a:rPr lang="en-US" dirty="0"/>
+              <a:t> </a:t>
             </a:r>
             <a:r>
               <a:rPr lang="en-US" dirty="0" err="1"/>
-              <a:t>ToString</a:t>
+              <a:t>intent.PutExtra</a:t>
             </a:r>
             <a:r>
               <a:rPr lang="en-US" dirty="0"/>
-              <a:t>();</a:t>
-            </a:r>
-            <a:br>
+              <a:t>("</a:t>
+            </a:r>
+            <a:r>
+              <a:rPr lang="en-US" dirty="0" err="1"/>
+              <a:t>click_count</a:t>
+            </a:r>
+            <a:r>
               <a:rPr lang="en-US" dirty="0"/>
-            </a:br>
-            <a:endParaRPr lang="en-US" dirty="0"/>
+              <a:t>", count);  </a:t>
+            </a:r>
           </a:p>
           <a:p>
             <a:pPr marL="0" indent="0">
@@ -9545,62 +10187,29 @@
             </a:pPr>
             <a:r>
               <a:rPr lang="en-US" dirty="0"/>
-              <a:t>					OR</a:t>
-            </a:r>
-          </a:p>
-          <a:p>
-            <a:pPr marL="0" indent="0">
-              <a:buNone/>
-            </a:pPr>
-            <a:r>
-              <a:rPr lang="sv-SE" dirty="0"/>
-              <a:t/>
-            </a:r>
-            <a:br>
-              <a:rPr lang="sv-SE" dirty="0"/>
-            </a:br>
-            <a:r>
-              <a:rPr lang="sv-SE" dirty="0"/>
-              <a:t>Bundle extras = intent.getExtras(); </a:t>
-            </a:r>
-          </a:p>
-          <a:p>
-            <a:pPr marL="0" indent="0">
-              <a:buNone/>
-            </a:pPr>
-            <a:r>
-              <a:rPr lang="sv-SE" dirty="0"/>
-              <a:t>String tmp = extras.getString("myKey");</a:t>
-            </a:r>
-          </a:p>
-          <a:p>
-            <a:pPr marL="0" indent="0">
-              <a:buNone/>
-            </a:pPr>
-            <a:endParaRPr lang="en-US" dirty="0"/>
-          </a:p>
-          <a:p>
-            <a:endParaRPr lang="en-US" dirty="0"/>
+              <a:t> </a:t>
+            </a:r>
+            <a:r>
+              <a:rPr lang="en-US" dirty="0" err="1"/>
+              <a:t>StartActivity</a:t>
+            </a:r>
+            <a:r>
+              <a:rPr lang="en-US" dirty="0"/>
+              <a:t>(intent);</a:t>
+            </a:r>
           </a:p>
         </p:txBody>
       </p:sp>
     </p:spTree>
     <p:extLst>
       <p:ext uri="{BB962C8B-B14F-4D97-AF65-F5344CB8AC3E}">
-        <p14:creationId xmlns:p14="http://schemas.microsoft.com/office/powerpoint/2010/main" val="250827083"/>
+        <p14:creationId xmlns:p14="http://schemas.microsoft.com/office/powerpoint/2010/main" val="1583963616"/>
       </p:ext>
     </p:extLst>
   </p:cSld>
   <p:clrMapOvr>
     <a:masterClrMapping/>
   </p:clrMapOvr>
-  <p:timing>
-    <p:tnLst>
-      <p:par>
-        <p:cTn xmlns:p14="http://schemas.microsoft.com/office/powerpoint/2010/main" id="1" dur="indefinite" restart="never" nodeType="tmRoot"/>
-      </p:par>
-    </p:tnLst>
-  </p:timing>
 </p:sld>
 </file>
 
@@ -9633,6 +10242,164 @@
         </p:nvSpPr>
         <p:spPr/>
         <p:txBody>
+          <a:bodyPr/>
+          <a:lstStyle/>
+          <a:p>
+            <a:r>
+              <a:rPr lang="en-US" dirty="0">
+                <a:solidFill>
+                  <a:srgbClr val="FFFFFF"/>
+                </a:solidFill>
+              </a:rPr>
+              <a:t>Unpacking Intents</a:t>
+            </a:r>
+          </a:p>
+        </p:txBody>
+      </p:sp>
+      <p:sp>
+        <p:nvSpPr>
+          <p:cNvPr id="3" name="Content Placeholder 2"/>
+          <p:cNvSpPr>
+            <a:spLocks noGrp="1"/>
+          </p:cNvSpPr>
+          <p:nvPr>
+            <p:ph idx="1"/>
+          </p:nvPr>
+        </p:nvSpPr>
+        <p:spPr/>
+        <p:txBody>
+          <a:bodyPr>
+            <a:normAutofit/>
+          </a:bodyPr>
+          <a:lstStyle/>
+          <a:p>
+            <a:pPr marL="0" indent="0">
+              <a:buNone/>
+            </a:pPr>
+            <a:r>
+              <a:rPr lang="en-US" dirty="0" err="1"/>
+              <a:t>CounterText.Text</a:t>
+            </a:r>
+            <a:r>
+              <a:rPr lang="en-US" dirty="0"/>
+              <a:t> = </a:t>
+            </a:r>
+            <a:r>
+              <a:rPr lang="en-US" dirty="0" err="1"/>
+              <a:t>Intent.GetIntExtra</a:t>
+            </a:r>
+            <a:r>
+              <a:rPr lang="en-US" dirty="0"/>
+              <a:t>(“m</a:t>
+            </a:r>
+            <a:r>
+              <a:rPr lang="sv-SE" dirty="0"/>
+              <a:t>yKey</a:t>
+            </a:r>
+            <a:r>
+              <a:rPr lang="en-US" dirty="0"/>
+              <a:t>", 0).</a:t>
+            </a:r>
+            <a:r>
+              <a:rPr lang="en-US" dirty="0" err="1"/>
+              <a:t>ToString</a:t>
+            </a:r>
+            <a:r>
+              <a:rPr lang="en-US" dirty="0"/>
+              <a:t>();</a:t>
+            </a:r>
+            <a:br>
+              <a:rPr lang="en-US" dirty="0"/>
+            </a:br>
+            <a:endParaRPr lang="en-US" dirty="0"/>
+          </a:p>
+          <a:p>
+            <a:pPr marL="0" indent="0">
+              <a:buNone/>
+            </a:pPr>
+            <a:r>
+              <a:rPr lang="en-US" dirty="0"/>
+              <a:t>					OR</a:t>
+            </a:r>
+          </a:p>
+          <a:p>
+            <a:pPr marL="0" indent="0">
+              <a:buNone/>
+            </a:pPr>
+            <a:r>
+              <a:rPr lang="sv-SE" dirty="0"/>
+              <a:t/>
+            </a:r>
+            <a:br>
+              <a:rPr lang="sv-SE" dirty="0"/>
+            </a:br>
+            <a:r>
+              <a:rPr lang="sv-SE" dirty="0"/>
+              <a:t>Bundle extras = intent.getExtras(); </a:t>
+            </a:r>
+          </a:p>
+          <a:p>
+            <a:pPr marL="0" indent="0">
+              <a:buNone/>
+            </a:pPr>
+            <a:r>
+              <a:rPr lang="sv-SE" dirty="0"/>
+              <a:t>String tmp = extras.getString("myKey");</a:t>
+            </a:r>
+          </a:p>
+          <a:p>
+            <a:pPr marL="0" indent="0">
+              <a:buNone/>
+            </a:pPr>
+            <a:endParaRPr lang="en-US" dirty="0"/>
+          </a:p>
+          <a:p>
+            <a:endParaRPr lang="en-US" dirty="0"/>
+          </a:p>
+        </p:txBody>
+      </p:sp>
+    </p:spTree>
+    <p:extLst>
+      <p:ext uri="{BB962C8B-B14F-4D97-AF65-F5344CB8AC3E}">
+        <p14:creationId xmlns:p14="http://schemas.microsoft.com/office/powerpoint/2010/main" val="250827083"/>
+      </p:ext>
+    </p:extLst>
+  </p:cSld>
+  <p:clrMapOvr>
+    <a:masterClrMapping/>
+  </p:clrMapOvr>
+</p:sld>
+</file>
+
+<file path=ppt/slides/slide22.xml><?xml version="1.0" encoding="utf-8"?>
+<p:sld xmlns:a="http://schemas.openxmlformats.org/drawingml/2006/main" xmlns:r="http://schemas.openxmlformats.org/officeDocument/2006/relationships" xmlns:p="http://schemas.openxmlformats.org/presentationml/2006/main">
+  <p:cSld>
+    <p:spTree>
+      <p:nvGrpSpPr>
+        <p:cNvPr id="1" name=""/>
+        <p:cNvGrpSpPr/>
+        <p:nvPr/>
+      </p:nvGrpSpPr>
+      <p:grpSpPr>
+        <a:xfrm>
+          <a:off x="0" y="0"/>
+          <a:ext cx="0" cy="0"/>
+          <a:chOff x="0" y="0"/>
+          <a:chExt cx="0" cy="0"/>
+        </a:xfrm>
+      </p:grpSpPr>
+      <p:sp>
+        <p:nvSpPr>
+          <p:cNvPr id="2" name="Title 1"/>
+          <p:cNvSpPr>
+            <a:spLocks noGrp="1"/>
+          </p:cNvSpPr>
+          <p:nvPr>
+            <p:ph type="title"/>
+          </p:nvPr>
+        </p:nvSpPr>
+        <p:spPr/>
+        <p:txBody>
           <a:bodyPr>
             <a:normAutofit/>
           </a:bodyPr>
@@ -9655,7 +10422,7 @@
           <p:nvPr>
             <p:extLst>
               <p:ext uri="{D42A27DB-BD31-4B8C-83A1-F6EECF244321}">
-                <p14:modId xmlns:p14="http://schemas.microsoft.com/office/powerpoint/2010/main" val="3310364938"/>
+                <p14:modId xmlns:p14="http://schemas.microsoft.com/office/powerpoint/2010/main" val="4206624723"/>
               </p:ext>
             </p:extLst>
           </p:nvPr>
@@ -9674,14 +10441,14 @@
                 <a:gridCol w="3706437">
                   <a:extLst>
                     <a:ext uri="{9D8B030D-6E8A-4147-A177-3AD203B41FA5}">
-                      <a16:colId xmlns="" xmlns:a16="http://schemas.microsoft.com/office/drawing/2014/main" val="48614039"/>
+                      <a16:colId xmlns:a16="http://schemas.microsoft.com/office/drawing/2014/main" xmlns="" val="48614039"/>
                     </a:ext>
                   </a:extLst>
                 </a:gridCol>
                 <a:gridCol w="6742419">
                   <a:extLst>
                     <a:ext uri="{9D8B030D-6E8A-4147-A177-3AD203B41FA5}">
-                      <a16:colId xmlns="" xmlns:a16="http://schemas.microsoft.com/office/drawing/2014/main" val="1124546490"/>
+                      <a16:colId xmlns:a16="http://schemas.microsoft.com/office/drawing/2014/main" xmlns="" val="1124546490"/>
                     </a:ext>
                   </a:extLst>
                 </a:gridCol>
@@ -9694,18 +10461,13 @@
                     <a:p>
                       <a:pPr algn="ctr"/>
                       <a:r>
-                        <a:rPr lang="en-US" b="0">
+                        <a:rPr lang="en-US" b="0" dirty="0">
                           <a:solidFill>
                             <a:schemeClr val="bg1"/>
                           </a:solidFill>
                         </a:rPr>
                         <a:t>Directory</a:t>
                       </a:r>
-                      <a:endParaRPr lang="en-US" b="0" dirty="0">
-                        <a:solidFill>
-                          <a:schemeClr val="bg1"/>
-                        </a:solidFill>
-                      </a:endParaRPr>
                     </a:p>
                   </a:txBody>
                   <a:tcPr anchor="ctr">
@@ -9721,13 +10483,18 @@
                     <a:p>
                       <a:pPr algn="ctr"/>
                       <a:r>
-                        <a:rPr lang="en-US" sz="2400" b="1" dirty="0">
+                        <a:rPr lang="en-US" sz="1800" b="0" dirty="0">
                           <a:solidFill>
                             <a:schemeClr val="bg1"/>
                           </a:solidFill>
                         </a:rPr>
                         <a:t>Contents</a:t>
                       </a:r>
+                      <a:endParaRPr lang="en-US" sz="2400" b="0" dirty="0">
+                        <a:solidFill>
+                          <a:schemeClr val="bg1"/>
+                        </a:solidFill>
+                      </a:endParaRPr>
                     </a:p>
                   </a:txBody>
                   <a:tcPr anchor="ctr">
@@ -9738,7 +10505,7 @@
                 </a:tc>
                 <a:extLst>
                   <a:ext uri="{0D108BD9-81ED-4DB2-BD59-A6C34878D82A}">
-                    <a16:rowId xmlns="" xmlns:a16="http://schemas.microsoft.com/office/drawing/2014/main" val="679667022"/>
+                    <a16:rowId xmlns:a16="http://schemas.microsoft.com/office/drawing/2014/main" xmlns="" val="679667022"/>
                   </a:ext>
                 </a:extLst>
               </a:tr>
@@ -9786,7 +10553,7 @@
                 </a:tc>
                 <a:extLst>
                   <a:ext uri="{0D108BD9-81ED-4DB2-BD59-A6C34878D82A}">
-                    <a16:rowId xmlns="" xmlns:a16="http://schemas.microsoft.com/office/drawing/2014/main" val="2034482246"/>
+                    <a16:rowId xmlns:a16="http://schemas.microsoft.com/office/drawing/2014/main" xmlns="" val="2034482246"/>
                   </a:ext>
                 </a:extLst>
               </a:tr>
@@ -9834,7 +10601,7 @@
                 </a:tc>
                 <a:extLst>
                   <a:ext uri="{0D108BD9-81ED-4DB2-BD59-A6C34878D82A}">
-                    <a16:rowId xmlns="" xmlns:a16="http://schemas.microsoft.com/office/drawing/2014/main" val="682465758"/>
+                    <a16:rowId xmlns:a16="http://schemas.microsoft.com/office/drawing/2014/main" xmlns="" val="682465758"/>
                   </a:ext>
                 </a:extLst>
               </a:tr>
@@ -9881,7 +10648,7 @@
                 </a:tc>
                 <a:extLst>
                   <a:ext uri="{0D108BD9-81ED-4DB2-BD59-A6C34878D82A}">
-                    <a16:rowId xmlns="" xmlns:a16="http://schemas.microsoft.com/office/drawing/2014/main" val="4230228483"/>
+                    <a16:rowId xmlns:a16="http://schemas.microsoft.com/office/drawing/2014/main" xmlns="" val="4230228483"/>
                   </a:ext>
                 </a:extLst>
               </a:tr>
@@ -9899,17 +10666,10 @@
   <p:clrMapOvr>
     <a:masterClrMapping/>
   </p:clrMapOvr>
-  <p:timing>
-    <p:tnLst>
-      <p:par>
-        <p:cTn xmlns:p14="http://schemas.microsoft.com/office/powerpoint/2010/main" id="1" dur="indefinite" restart="never" nodeType="tmRoot"/>
-      </p:par>
-    </p:tnLst>
-  </p:timing>
 </p:sld>
 </file>
 
-<file path=ppt/slides/slide22.xml><?xml version="1.0" encoding="utf-8"?>
+<file path=ppt/slides/slide23.xml><?xml version="1.0" encoding="utf-8"?>
 <p:sld xmlns:a="http://schemas.openxmlformats.org/drawingml/2006/main" xmlns:r="http://schemas.openxmlformats.org/officeDocument/2006/relationships" xmlns:p="http://schemas.openxmlformats.org/presentationml/2006/main">
   <p:cSld>
     <p:spTree>
@@ -10324,17 +11084,10 @@
   <p:clrMapOvr>
     <a:masterClrMapping/>
   </p:clrMapOvr>
-  <p:timing>
-    <p:tnLst>
-      <p:par>
-        <p:cTn xmlns:p14="http://schemas.microsoft.com/office/powerpoint/2010/main" id="1" dur="indefinite" restart="never" nodeType="tmRoot"/>
-      </p:par>
-    </p:tnLst>
-  </p:timing>
 </p:sld>
 </file>
 
-<file path=ppt/slides/slide23.xml><?xml version="1.0" encoding="utf-8"?>
+<file path=ppt/slides/slide24.xml><?xml version="1.0" encoding="utf-8"?>
 <p:sld xmlns:a="http://schemas.openxmlformats.org/drawingml/2006/main" xmlns:r="http://schemas.openxmlformats.org/officeDocument/2006/relationships" xmlns:p="http://schemas.openxmlformats.org/presentationml/2006/main">
   <p:cSld>
     <p:spTree>
@@ -10899,179 +11652,6 @@
   <p:clrMapOvr>
     <a:masterClrMapping/>
   </p:clrMapOvr>
-  <p:timing>
-    <p:tnLst>
-      <p:par>
-        <p:cTn xmlns:p14="http://schemas.microsoft.com/office/powerpoint/2010/main" id="1" dur="indefinite" restart="never" nodeType="tmRoot"/>
-      </p:par>
-    </p:tnLst>
-  </p:timing>
-</p:sld>
-</file>
-
-<file path=ppt/slides/slide24.xml><?xml version="1.0" encoding="utf-8"?>
-<p:sld xmlns:a="http://schemas.openxmlformats.org/drawingml/2006/main" xmlns:r="http://schemas.openxmlformats.org/officeDocument/2006/relationships" xmlns:p="http://schemas.openxmlformats.org/presentationml/2006/main">
-  <p:cSld>
-    <p:spTree>
-      <p:nvGrpSpPr>
-        <p:cNvPr id="1" name=""/>
-        <p:cNvGrpSpPr/>
-        <p:nvPr/>
-      </p:nvGrpSpPr>
-      <p:grpSpPr>
-        <a:xfrm>
-          <a:off x="0" y="0"/>
-          <a:ext cx="0" cy="0"/>
-          <a:chOff x="0" y="0"/>
-          <a:chExt cx="0" cy="0"/>
-        </a:xfrm>
-      </p:grpSpPr>
-      <p:sp>
-        <p:nvSpPr>
-          <p:cNvPr id="2" name="Title 1"/>
-          <p:cNvSpPr>
-            <a:spLocks noGrp="1"/>
-          </p:cNvSpPr>
-          <p:nvPr>
-            <p:ph type="title"/>
-          </p:nvPr>
-        </p:nvSpPr>
-        <p:spPr/>
-        <p:txBody>
-          <a:bodyPr>
-            <a:normAutofit/>
-          </a:bodyPr>
-          <a:lstStyle/>
-          <a:p>
-            <a:r>
-              <a:rPr lang="en-US" sz="4800" dirty="0"/>
-              <a:t>Android Manifest</a:t>
-            </a:r>
-          </a:p>
-        </p:txBody>
-      </p:sp>
-      <p:sp>
-        <p:nvSpPr>
-          <p:cNvPr id="4" name="Rectangle 3"/>
-          <p:cNvSpPr/>
-          <p:nvPr/>
-        </p:nvSpPr>
-        <p:spPr>
-          <a:xfrm>
-            <a:off x="1" y="1492067"/>
-            <a:ext cx="12191999" cy="1737994"/>
-          </a:xfrm>
-          <a:prstGeom prst="rect">
-            <a:avLst/>
-          </a:prstGeom>
-          <a:solidFill>
-            <a:srgbClr val="0070C0"/>
-          </a:solidFill>
-          <a:ln w="9525" cap="flat" cmpd="sng" algn="ctr">
-            <a:noFill/>
-            <a:prstDash val="solid"/>
-          </a:ln>
-          <a:effectLst/>
-        </p:spPr>
-        <p:txBody>
-          <a:bodyPr rtlCol="0" anchor="ctr"/>
-          <a:lstStyle/>
-          <a:p>
-            <a:pPr marL="0" marR="0" lvl="0" indent="0" algn="ctr" defTabSz="914400" eaLnBrk="1" fontAlgn="auto" latinLnBrk="0" hangingPunct="1">
-              <a:lnSpc>
-                <a:spcPct val="100000"/>
-              </a:lnSpc>
-              <a:spcBef>
-                <a:spcPts val="0"/>
-              </a:spcBef>
-              <a:spcAft>
-                <a:spcPts val="0"/>
-              </a:spcAft>
-              <a:buClrTx/>
-              <a:buSzTx/>
-              <a:buFont typeface="Arial" panose="020B0604020202020204" pitchFamily="34" charset="0"/>
-              <a:buNone/>
-              <a:tabLst/>
-              <a:defRPr/>
-            </a:pPr>
-            <a:endParaRPr kumimoji="0" lang="en-US" sz="4000" i="1" u="none" strike="noStrike" kern="0" cap="none" spc="0" normalizeH="0" baseline="0" noProof="0" dirty="0">
-              <a:ln>
-                <a:noFill/>
-              </a:ln>
-              <a:solidFill>
-                <a:prstClr val="white"/>
-              </a:solidFill>
-              <a:effectLst/>
-              <a:uLnTx/>
-              <a:uFillTx/>
-              <a:latin typeface="+mj-lt"/>
-            </a:endParaRPr>
-          </a:p>
-        </p:txBody>
-      </p:sp>
-      <p:sp>
-        <p:nvSpPr>
-          <p:cNvPr id="3" name="Content Placeholder 2"/>
-          <p:cNvSpPr>
-            <a:spLocks noGrp="1"/>
-          </p:cNvSpPr>
-          <p:nvPr>
-            <p:ph idx="1"/>
-          </p:nvPr>
-        </p:nvSpPr>
-        <p:spPr/>
-        <p:txBody>
-          <a:bodyPr>
-            <a:normAutofit/>
-          </a:bodyPr>
-          <a:lstStyle/>
-          <a:p>
-            <a:pPr>
-              <a:buFont typeface="Wingdings" charset="2"/>
-              <a:buChar char="§"/>
-            </a:pPr>
-            <a:r>
-              <a:rPr lang="en-US" dirty="0">
-                <a:solidFill>
-                  <a:srgbClr val="FFFFFF"/>
-                </a:solidFill>
-              </a:rPr>
-              <a:t>Pulls together everything to explain it to the Android OS</a:t>
-            </a:r>
-          </a:p>
-          <a:p>
-            <a:pPr>
-              <a:buFont typeface="Wingdings" charset="2"/>
-              <a:buChar char="§"/>
-            </a:pPr>
-            <a:r>
-              <a:rPr lang="en-US" dirty="0">
-                <a:solidFill>
-                  <a:srgbClr val="FFFFFF"/>
-                </a:solidFill>
-              </a:rPr>
-              <a:t>Represented as a form in a tab of the project properties</a:t>
-            </a:r>
-          </a:p>
-        </p:txBody>
-      </p:sp>
-    </p:spTree>
-    <p:extLst>
-      <p:ext uri="{BB962C8B-B14F-4D97-AF65-F5344CB8AC3E}">
-        <p14:creationId xmlns:p14="http://schemas.microsoft.com/office/powerpoint/2010/main" val="691986578"/>
-      </p:ext>
-    </p:extLst>
-  </p:cSld>
-  <p:clrMapOvr>
-    <a:masterClrMapping/>
-  </p:clrMapOvr>
-  <p:timing>
-    <p:tnLst>
-      <p:par>
-        <p:cTn xmlns:p14="http://schemas.microsoft.com/office/powerpoint/2010/main" id="1" dur="indefinite" restart="never" nodeType="tmRoot"/>
-      </p:par>
-    </p:tnLst>
-  </p:timing>
 </p:sld>
 </file>
 
@@ -11094,6 +11674,165 @@
       </p:grpSpPr>
       <p:sp>
         <p:nvSpPr>
+          <p:cNvPr id="2" name="Title 1"/>
+          <p:cNvSpPr>
+            <a:spLocks noGrp="1"/>
+          </p:cNvSpPr>
+          <p:nvPr>
+            <p:ph type="title"/>
+          </p:nvPr>
+        </p:nvSpPr>
+        <p:spPr/>
+        <p:txBody>
+          <a:bodyPr>
+            <a:normAutofit/>
+          </a:bodyPr>
+          <a:lstStyle/>
+          <a:p>
+            <a:r>
+              <a:rPr lang="en-US" sz="4800" dirty="0"/>
+              <a:t>Android Manifest</a:t>
+            </a:r>
+          </a:p>
+        </p:txBody>
+      </p:sp>
+      <p:sp>
+        <p:nvSpPr>
+          <p:cNvPr id="4" name="Rectangle 3"/>
+          <p:cNvSpPr/>
+          <p:nvPr/>
+        </p:nvSpPr>
+        <p:spPr>
+          <a:xfrm>
+            <a:off x="1" y="1492067"/>
+            <a:ext cx="12191999" cy="1737994"/>
+          </a:xfrm>
+          <a:prstGeom prst="rect">
+            <a:avLst/>
+          </a:prstGeom>
+          <a:solidFill>
+            <a:srgbClr val="0070C0"/>
+          </a:solidFill>
+          <a:ln w="9525" cap="flat" cmpd="sng" algn="ctr">
+            <a:noFill/>
+            <a:prstDash val="solid"/>
+          </a:ln>
+          <a:effectLst/>
+        </p:spPr>
+        <p:txBody>
+          <a:bodyPr rtlCol="0" anchor="ctr"/>
+          <a:lstStyle/>
+          <a:p>
+            <a:pPr marL="0" marR="0" lvl="0" indent="0" algn="ctr" defTabSz="914400" eaLnBrk="1" fontAlgn="auto" latinLnBrk="0" hangingPunct="1">
+              <a:lnSpc>
+                <a:spcPct val="100000"/>
+              </a:lnSpc>
+              <a:spcBef>
+                <a:spcPts val="0"/>
+              </a:spcBef>
+              <a:spcAft>
+                <a:spcPts val="0"/>
+              </a:spcAft>
+              <a:buClrTx/>
+              <a:buSzTx/>
+              <a:buFont typeface="Arial" panose="020B0604020202020204" pitchFamily="34" charset="0"/>
+              <a:buNone/>
+              <a:tabLst/>
+              <a:defRPr/>
+            </a:pPr>
+            <a:endParaRPr kumimoji="0" lang="en-US" sz="4000" i="1" u="none" strike="noStrike" kern="0" cap="none" spc="0" normalizeH="0" baseline="0" noProof="0" dirty="0">
+              <a:ln>
+                <a:noFill/>
+              </a:ln>
+              <a:solidFill>
+                <a:prstClr val="white"/>
+              </a:solidFill>
+              <a:effectLst/>
+              <a:uLnTx/>
+              <a:uFillTx/>
+              <a:latin typeface="+mj-lt"/>
+            </a:endParaRPr>
+          </a:p>
+        </p:txBody>
+      </p:sp>
+      <p:sp>
+        <p:nvSpPr>
+          <p:cNvPr id="3" name="Content Placeholder 2"/>
+          <p:cNvSpPr>
+            <a:spLocks noGrp="1"/>
+          </p:cNvSpPr>
+          <p:nvPr>
+            <p:ph idx="1"/>
+          </p:nvPr>
+        </p:nvSpPr>
+        <p:spPr/>
+        <p:txBody>
+          <a:bodyPr>
+            <a:normAutofit/>
+          </a:bodyPr>
+          <a:lstStyle/>
+          <a:p>
+            <a:pPr>
+              <a:buFont typeface="Wingdings" charset="2"/>
+              <a:buChar char="§"/>
+            </a:pPr>
+            <a:r>
+              <a:rPr lang="en-US" dirty="0">
+                <a:solidFill>
+                  <a:srgbClr val="FFFFFF"/>
+                </a:solidFill>
+              </a:rPr>
+              <a:t>Pulls together everything to explain it to the Android OS</a:t>
+            </a:r>
+          </a:p>
+          <a:p>
+            <a:pPr>
+              <a:buFont typeface="Wingdings" charset="2"/>
+              <a:buChar char="§"/>
+            </a:pPr>
+            <a:r>
+              <a:rPr lang="en-US" dirty="0">
+                <a:solidFill>
+                  <a:srgbClr val="FFFFFF"/>
+                </a:solidFill>
+              </a:rPr>
+              <a:t>Represented as a form in a tab of the project properties</a:t>
+            </a:r>
+          </a:p>
+        </p:txBody>
+      </p:sp>
+    </p:spTree>
+    <p:extLst>
+      <p:ext uri="{BB962C8B-B14F-4D97-AF65-F5344CB8AC3E}">
+        <p14:creationId xmlns:p14="http://schemas.microsoft.com/office/powerpoint/2010/main" val="691986578"/>
+      </p:ext>
+    </p:extLst>
+  </p:cSld>
+  <p:clrMapOvr>
+    <a:masterClrMapping/>
+  </p:clrMapOvr>
+</p:sld>
+</file>
+
+<file path=ppt/slides/slide26.xml><?xml version="1.0" encoding="utf-8"?>
+<p:sld xmlns:a="http://schemas.openxmlformats.org/drawingml/2006/main" xmlns:r="http://schemas.openxmlformats.org/officeDocument/2006/relationships" xmlns:p="http://schemas.openxmlformats.org/presentationml/2006/main">
+  <p:cSld>
+    <p:spTree>
+      <p:nvGrpSpPr>
+        <p:cNvPr id="1" name=""/>
+        <p:cNvGrpSpPr/>
+        <p:nvPr/>
+      </p:nvGrpSpPr>
+      <p:grpSpPr>
+        <a:xfrm>
+          <a:off x="0" y="0"/>
+          <a:ext cx="0" cy="0"/>
+          <a:chOff x="0" y="0"/>
+          <a:chExt cx="0" cy="0"/>
+        </a:xfrm>
+      </p:grpSpPr>
+      <p:sp>
+        <p:nvSpPr>
           <p:cNvPr id="5" name="TextBox 4"/>
           <p:cNvSpPr txBox="1"/>
           <p:nvPr/>
@@ -11115,18 +11854,13 @@
           <a:lstStyle/>
           <a:p>
             <a:r>
-              <a:rPr lang="en-US" sz="4400" dirty="0" smtClean="0">
+              <a:rPr lang="en-US" sz="4400" dirty="0">
                 <a:solidFill>
                   <a:srgbClr val="000000"/>
                 </a:solidFill>
               </a:rPr>
               <a:t>Summary</a:t>
             </a:r>
-            <a:endParaRPr lang="en-US" sz="4400" dirty="0">
-              <a:solidFill>
-                <a:srgbClr val="000000"/>
-              </a:solidFill>
-            </a:endParaRPr>
           </a:p>
         </p:txBody>
       </p:sp>
@@ -11403,10 +12137,9 @@
               <a:p>
                 <a:pPr algn="l"/>
                 <a:r>
-                  <a:rPr lang="en-US" i="0" dirty="0" smtClean="0"/>
+                  <a:rPr lang="en-US" i="0" dirty="0"/>
                   <a:t>In this lesson you have learned to:</a:t>
                 </a:r>
-                <a:endParaRPr lang="en-US" i="0" dirty="0"/>
               </a:p>
             </p:txBody>
           </p:sp>
@@ -11482,10 +12215,9 @@
                 <a:buChar char="§"/>
               </a:pPr>
               <a:r>
-                <a:rPr lang="en-US" sz="2800" dirty="0" smtClean="0"/>
+                <a:rPr lang="en-US" sz="2800" dirty="0"/>
                 <a:t>Use Resources</a:t>
               </a:r>
-              <a:endParaRPr lang="en-US" sz="2800" dirty="0"/>
             </a:p>
           </p:txBody>
         </p:sp>
@@ -11500,13 +12232,6 @@
   <p:clrMapOvr>
     <a:masterClrMapping/>
   </p:clrMapOvr>
-  <p:timing>
-    <p:tnLst>
-      <p:par>
-        <p:cTn xmlns:p14="http://schemas.microsoft.com/office/powerpoint/2010/main" id="1" dur="indefinite" restart="never" nodeType="tmRoot"/>
-      </p:par>
-    </p:tnLst>
-  </p:timing>
 </p:sld>
 </file>
 
@@ -11994,13 +12719,6 @@
   <p:clrMapOvr>
     <a:masterClrMapping/>
   </p:clrMapOvr>
-  <p:timing>
-    <p:tnLst>
-      <p:par>
-        <p:cTn xmlns:p14="http://schemas.microsoft.com/office/powerpoint/2010/main" id="1" dur="indefinite" restart="never" nodeType="tmRoot"/>
-      </p:par>
-    </p:tnLst>
-  </p:timing>
 </p:sld>
 </file>
 
@@ -12399,12 +13117,50 @@
               <a:t>ListView</a:t>
             </a:r>
             <a:r>
-              <a:rPr lang="en-US" sz="2400" dirty="0" smtClean="0">
+              <a:rPr lang="en-US" sz="2400" dirty="0">
                 <a:solidFill>
                   <a:schemeClr val="tx1"/>
                 </a:solidFill>
               </a:rPr>
               <a:t>:</a:t>
+            </a:r>
+          </a:p>
+          <a:p>
+            <a:pPr lvl="2" indent="-457200">
+              <a:buFont typeface="Wingdings" charset="2"/>
+              <a:buChar char="§"/>
+            </a:pPr>
+            <a:r>
+              <a:rPr lang="en-US" sz="2400" dirty="0">
+                <a:solidFill>
+                  <a:schemeClr val="tx1"/>
+                </a:solidFill>
+              </a:rPr>
+              <a:t>Use the </a:t>
+            </a:r>
+            <a:r>
+              <a:rPr lang="en-US" sz="2400" dirty="0" err="1">
+                <a:solidFill>
+                  <a:schemeClr val="tx1"/>
+                </a:solidFill>
+              </a:rPr>
+              <a:t>ListActivity</a:t>
+            </a:r>
+            <a:r>
+              <a:rPr lang="en-US" sz="2400" dirty="0">
+                <a:solidFill>
+                  <a:schemeClr val="tx1"/>
+                </a:solidFill>
+              </a:rPr>
+              <a:t> class, which is an Activity containing a </a:t>
+            </a:r>
+            <a:r>
+              <a:rPr lang="en-US" sz="2400" dirty="0" err="1">
+                <a:solidFill>
+                  <a:schemeClr val="tx1"/>
+                </a:solidFill>
+              </a:rPr>
+              <a:t>ListView</a:t>
             </a:r>
             <a:endParaRPr lang="en-US" sz="2400" dirty="0">
               <a:solidFill>
@@ -12413,55 +13169,12 @@
             </a:endParaRPr>
           </a:p>
           <a:p>
-            <a:pPr lvl="2" indent="-457200">
-              <a:buFont typeface="Wingdings" charset="2"/>
-              <a:buChar char="§"/>
-            </a:pPr>
-            <a:r>
-              <a:rPr lang="en-US" sz="2400" dirty="0">
-                <a:solidFill>
-                  <a:schemeClr val="tx1"/>
-                </a:solidFill>
-              </a:rPr>
-              <a:t>Use the </a:t>
-            </a:r>
-            <a:r>
-              <a:rPr lang="en-US" sz="2400" dirty="0" err="1">
-                <a:solidFill>
-                  <a:schemeClr val="tx1"/>
-                </a:solidFill>
-              </a:rPr>
-              <a:t>ListActivity</a:t>
-            </a:r>
-            <a:r>
-              <a:rPr lang="en-US" sz="2400" dirty="0">
-                <a:solidFill>
-                  <a:schemeClr val="tx1"/>
-                </a:solidFill>
-              </a:rPr>
-              <a:t> class, which is an Activity containing a </a:t>
-            </a:r>
-            <a:r>
-              <a:rPr lang="en-US" sz="2400" dirty="0" err="1" smtClean="0">
-                <a:solidFill>
-                  <a:schemeClr val="tx1"/>
-                </a:solidFill>
-              </a:rPr>
-              <a:t>ListView</a:t>
-            </a:r>
-            <a:endParaRPr lang="en-US" sz="2400" dirty="0" smtClean="0">
-              <a:solidFill>
-                <a:schemeClr val="tx1"/>
-              </a:solidFill>
-            </a:endParaRPr>
-          </a:p>
-          <a:p>
             <a:pPr marL="914400" lvl="1" indent="-457200">
               <a:buFont typeface="Wingdings" charset="2"/>
               <a:buChar char="§"/>
             </a:pPr>
             <a:r>
-              <a:rPr lang="en-US" sz="2400" dirty="0" smtClean="0">
+              <a:rPr lang="en-US" sz="2400" dirty="0">
                 <a:solidFill>
                   <a:schemeClr val="tx1"/>
                 </a:solidFill>
@@ -12469,7 +13182,7 @@
               <a:t>Use the </a:t>
             </a:r>
             <a:r>
-              <a:rPr lang="en-US" sz="2400" dirty="0" err="1" smtClean="0">
+              <a:rPr lang="en-US" sz="2400" dirty="0" err="1">
                 <a:solidFill>
                   <a:schemeClr val="tx1"/>
                 </a:solidFill>
@@ -12477,18 +13190,13 @@
               <a:t>ListView</a:t>
             </a:r>
             <a:r>
-              <a:rPr lang="en-US" sz="2400" dirty="0" smtClean="0">
+              <a:rPr lang="en-US" sz="2400" dirty="0">
                 <a:solidFill>
                   <a:schemeClr val="tx1"/>
                 </a:solidFill>
               </a:rPr>
               <a:t> tag in a layout XML, often used for customizing a list</a:t>
             </a:r>
-            <a:endParaRPr lang="en-US" sz="2400" dirty="0">
-              <a:solidFill>
-                <a:schemeClr val="tx1"/>
-              </a:solidFill>
-            </a:endParaRPr>
           </a:p>
         </p:txBody>
       </p:sp>
@@ -12502,13 +13210,6 @@
   <p:clrMapOvr>
     <a:masterClrMapping/>
   </p:clrMapOvr>
-  <p:timing>
-    <p:tnLst>
-      <p:par>
-        <p:cTn xmlns:p14="http://schemas.microsoft.com/office/powerpoint/2010/main" id="1" dur="indefinite" restart="never" nodeType="tmRoot"/>
-      </p:par>
-    </p:tnLst>
-  </p:timing>
 </p:sld>
 </file>
 
@@ -12571,7 +13272,7 @@
           </p:nvPr>
         </p:nvPicPr>
         <p:blipFill>
-          <a:blip r:embed="rId3">
+          <a:blip r:embed="rId3" cstate="email">
             <a:extLst>
               <a:ext uri="{28A0092B-C50C-407E-A947-70E740481C1C}">
                 <a14:useLocalDpi xmlns:a14="http://schemas.microsoft.com/office/drawing/2010/main" val="0"/>
@@ -12598,7 +13299,7 @@
           <p:nvPr/>
         </p:nvPicPr>
         <p:blipFill>
-          <a:blip r:embed="rId4">
+          <a:blip r:embed="rId4" cstate="email">
             <a:extLst>
               <a:ext uri="{28A0092B-C50C-407E-A947-70E740481C1C}">
                 <a14:useLocalDpi xmlns:a14="http://schemas.microsoft.com/office/drawing/2010/main" val="0"/>
@@ -12629,13 +13330,6 @@
   <p:clrMapOvr>
     <a:masterClrMapping/>
   </p:clrMapOvr>
-  <p:timing>
-    <p:tnLst>
-      <p:par>
-        <p:cTn xmlns:p14="http://schemas.microsoft.com/office/powerpoint/2010/main" id="1" dur="indefinite" restart="never" nodeType="tmRoot"/>
-      </p:par>
-    </p:tnLst>
-  </p:timing>
 </p:sld>
 </file>
 
@@ -12963,13 +13657,6 @@
   <p:clrMapOvr>
     <a:masterClrMapping/>
   </p:clrMapOvr>
-  <p:timing>
-    <p:tnLst>
-      <p:par>
-        <p:cTn xmlns:p14="http://schemas.microsoft.com/office/powerpoint/2010/main" id="1" dur="indefinite" restart="never" nodeType="tmRoot"/>
-      </p:par>
-    </p:tnLst>
-  </p:timing>
 </p:sld>
 </file>
 
@@ -13229,13 +13916,6 @@
   <p:clrMapOvr>
     <a:masterClrMapping/>
   </p:clrMapOvr>
-  <p:timing>
-    <p:tnLst>
-      <p:par>
-        <p:cTn xmlns:p14="http://schemas.microsoft.com/office/powerpoint/2010/main" id="1" dur="indefinite" restart="never" nodeType="tmRoot"/>
-      </p:par>
-    </p:tnLst>
-  </p:timing>
 </p:sld>
 </file>
 
@@ -13428,13 +14108,6 @@
   <p:clrMapOvr>
     <a:masterClrMapping/>
   </p:clrMapOvr>
-  <p:timing>
-    <p:tnLst>
-      <p:par>
-        <p:cTn xmlns:p14="http://schemas.microsoft.com/office/powerpoint/2010/main" id="1" dur="indefinite" restart="never" nodeType="tmRoot"/>
-      </p:par>
-    </p:tnLst>
-  </p:timing>
 </p:sld>
 </file>
 
